--- a/images/pointingDemos.pptx
+++ b/images/pointingDemos.pptx
@@ -272,7 +272,7 @@
           <a:p>
             <a:fld id="{377ECD9E-B68C-4BE3-AE6F-57250C99820B}" type="datetimeFigureOut">
               <a:rPr lang="en-US" smtClean="0"/>
-              <a:t>2/8/2021</a:t>
+              <a:t>4/19/2021</a:t>
             </a:fld>
             <a:endParaRPr lang="en-US"/>
           </a:p>
@@ -470,7 +470,7 @@
           <a:p>
             <a:fld id="{377ECD9E-B68C-4BE3-AE6F-57250C99820B}" type="datetimeFigureOut">
               <a:rPr lang="en-US" smtClean="0"/>
-              <a:t>2/8/2021</a:t>
+              <a:t>4/19/2021</a:t>
             </a:fld>
             <a:endParaRPr lang="en-US"/>
           </a:p>
@@ -678,7 +678,7 @@
           <a:p>
             <a:fld id="{377ECD9E-B68C-4BE3-AE6F-57250C99820B}" type="datetimeFigureOut">
               <a:rPr lang="en-US" smtClean="0"/>
-              <a:t>2/8/2021</a:t>
+              <a:t>4/19/2021</a:t>
             </a:fld>
             <a:endParaRPr lang="en-US"/>
           </a:p>
@@ -876,7 +876,7 @@
           <a:p>
             <a:fld id="{377ECD9E-B68C-4BE3-AE6F-57250C99820B}" type="datetimeFigureOut">
               <a:rPr lang="en-US" smtClean="0"/>
-              <a:t>2/8/2021</a:t>
+              <a:t>4/19/2021</a:t>
             </a:fld>
             <a:endParaRPr lang="en-US"/>
           </a:p>
@@ -1151,7 +1151,7 @@
           <a:p>
             <a:fld id="{377ECD9E-B68C-4BE3-AE6F-57250C99820B}" type="datetimeFigureOut">
               <a:rPr lang="en-US" smtClean="0"/>
-              <a:t>2/8/2021</a:t>
+              <a:t>4/19/2021</a:t>
             </a:fld>
             <a:endParaRPr lang="en-US"/>
           </a:p>
@@ -1416,7 +1416,7 @@
           <a:p>
             <a:fld id="{377ECD9E-B68C-4BE3-AE6F-57250C99820B}" type="datetimeFigureOut">
               <a:rPr lang="en-US" smtClean="0"/>
-              <a:t>2/8/2021</a:t>
+              <a:t>4/19/2021</a:t>
             </a:fld>
             <a:endParaRPr lang="en-US"/>
           </a:p>
@@ -1828,7 +1828,7 @@
           <a:p>
             <a:fld id="{377ECD9E-B68C-4BE3-AE6F-57250C99820B}" type="datetimeFigureOut">
               <a:rPr lang="en-US" smtClean="0"/>
-              <a:t>2/8/2021</a:t>
+              <a:t>4/19/2021</a:t>
             </a:fld>
             <a:endParaRPr lang="en-US"/>
           </a:p>
@@ -1969,7 +1969,7 @@
           <a:p>
             <a:fld id="{377ECD9E-B68C-4BE3-AE6F-57250C99820B}" type="datetimeFigureOut">
               <a:rPr lang="en-US" smtClean="0"/>
-              <a:t>2/8/2021</a:t>
+              <a:t>4/19/2021</a:t>
             </a:fld>
             <a:endParaRPr lang="en-US"/>
           </a:p>
@@ -2082,7 +2082,7 @@
           <a:p>
             <a:fld id="{377ECD9E-B68C-4BE3-AE6F-57250C99820B}" type="datetimeFigureOut">
               <a:rPr lang="en-US" smtClean="0"/>
-              <a:t>2/8/2021</a:t>
+              <a:t>4/19/2021</a:t>
             </a:fld>
             <a:endParaRPr lang="en-US"/>
           </a:p>
@@ -2393,7 +2393,7 @@
           <a:p>
             <a:fld id="{377ECD9E-B68C-4BE3-AE6F-57250C99820B}" type="datetimeFigureOut">
               <a:rPr lang="en-US" smtClean="0"/>
-              <a:t>2/8/2021</a:t>
+              <a:t>4/19/2021</a:t>
             </a:fld>
             <a:endParaRPr lang="en-US"/>
           </a:p>
@@ -2681,7 +2681,7 @@
           <a:p>
             <a:fld id="{377ECD9E-B68C-4BE3-AE6F-57250C99820B}" type="datetimeFigureOut">
               <a:rPr lang="en-US" smtClean="0"/>
-              <a:t>2/8/2021</a:t>
+              <a:t>4/19/2021</a:t>
             </a:fld>
             <a:endParaRPr lang="en-US"/>
           </a:p>
@@ -2922,7 +2922,7 @@
           <a:p>
             <a:fld id="{377ECD9E-B68C-4BE3-AE6F-57250C99820B}" type="datetimeFigureOut">
               <a:rPr lang="en-US" smtClean="0"/>
-              <a:t>2/8/2021</a:t>
+              <a:t>4/19/2021</a:t>
             </a:fld>
             <a:endParaRPr lang="en-US"/>
           </a:p>
@@ -5569,12 +5569,148 @@
           </a:p>
         </p:txBody>
       </p:sp>
+      <p:sp>
+        <p:nvSpPr>
+          <p:cNvPr id="34" name="TextBox 33">
+            <a:extLst>
+              <a:ext uri="{FF2B5EF4-FFF2-40B4-BE49-F238E27FC236}">
+                <a16:creationId xmlns:a16="http://schemas.microsoft.com/office/drawing/2014/main" id="{FA48472A-1C08-42E9-886E-63F38E0B43A4}"/>
+              </a:ext>
+            </a:extLst>
+          </p:cNvPr>
+          <p:cNvSpPr txBox="1"/>
+          <p:nvPr/>
+        </p:nvSpPr>
+        <p:spPr>
+          <a:xfrm>
+            <a:off x="3678169" y="3424338"/>
+            <a:ext cx="2283804" cy="400110"/>
+          </a:xfrm>
+          <a:prstGeom prst="rect">
+            <a:avLst/>
+          </a:prstGeom>
+          <a:noFill/>
+        </p:spPr>
+        <p:txBody>
+          <a:bodyPr wrap="square" rtlCol="0">
+            <a:spAutoFit/>
+          </a:bodyPr>
+          <a:lstStyle/>
+          <a:p>
+            <a:r>
+              <a:rPr lang="en-US" sz="2000" dirty="0">
+                <a:solidFill>
+                  <a:schemeClr val="accent6"/>
+                </a:solidFill>
+              </a:rPr>
+              <a:t>Participant Angle</a:t>
+            </a:r>
+          </a:p>
+        </p:txBody>
+      </p:sp>
+      <p:sp>
+        <p:nvSpPr>
+          <p:cNvPr id="35" name="Arc 34">
+            <a:extLst>
+              <a:ext uri="{FF2B5EF4-FFF2-40B4-BE49-F238E27FC236}">
+                <a16:creationId xmlns:a16="http://schemas.microsoft.com/office/drawing/2014/main" id="{EE35A806-432C-475E-AA4E-5CC1A2963685}"/>
+              </a:ext>
+            </a:extLst>
+          </p:cNvPr>
+          <p:cNvSpPr/>
+          <p:nvPr/>
+        </p:nvSpPr>
+        <p:spPr>
+          <a:xfrm rot="5400000">
+            <a:off x="4869762" y="2188907"/>
+            <a:ext cx="2693613" cy="2680143"/>
+          </a:xfrm>
+          <a:prstGeom prst="arc">
+            <a:avLst>
+              <a:gd name="adj1" fmla="val 16024777"/>
+              <a:gd name="adj2" fmla="val 5566573"/>
+            </a:avLst>
+          </a:prstGeom>
+          <a:ln w="57150">
+            <a:gradFill>
+              <a:gsLst>
+                <a:gs pos="0">
+                  <a:srgbClr val="FF0000"/>
+                </a:gs>
+                <a:gs pos="100000">
+                  <a:schemeClr val="accent6"/>
+                </a:gs>
+              </a:gsLst>
+              <a:lin ang="5400000" scaled="1"/>
+            </a:gradFill>
+            <a:headEnd type="triangle"/>
+          </a:ln>
+        </p:spPr>
+        <p:style>
+          <a:lnRef idx="1">
+            <a:schemeClr val="accent1"/>
+          </a:lnRef>
+          <a:fillRef idx="0">
+            <a:schemeClr val="accent1"/>
+          </a:fillRef>
+          <a:effectRef idx="0">
+            <a:schemeClr val="accent1"/>
+          </a:effectRef>
+          <a:fontRef idx="minor">
+            <a:schemeClr val="tx1"/>
+          </a:fontRef>
+        </p:style>
+        <p:txBody>
+          <a:bodyPr rtlCol="0" anchor="ctr"/>
+          <a:lstStyle/>
+          <a:p>
+            <a:pPr algn="ctr"/>
+            <a:endParaRPr lang="en-US"/>
+          </a:p>
+        </p:txBody>
+      </p:sp>
+      <p:sp>
+        <p:nvSpPr>
+          <p:cNvPr id="36" name="TextBox 35">
+            <a:extLst>
+              <a:ext uri="{FF2B5EF4-FFF2-40B4-BE49-F238E27FC236}">
+                <a16:creationId xmlns:a16="http://schemas.microsoft.com/office/drawing/2014/main" id="{8AA1DE08-5308-45B8-874B-C56BE4086D31}"/>
+              </a:ext>
+            </a:extLst>
+          </p:cNvPr>
+          <p:cNvSpPr txBox="1"/>
+          <p:nvPr/>
+        </p:nvSpPr>
+        <p:spPr>
+          <a:xfrm>
+            <a:off x="5102294" y="4963417"/>
+            <a:ext cx="1986687" cy="400110"/>
+          </a:xfrm>
+          <a:prstGeom prst="rect">
+            <a:avLst/>
+          </a:prstGeom>
+          <a:noFill/>
+        </p:spPr>
+        <p:txBody>
+          <a:bodyPr wrap="square" rtlCol="0">
+            <a:spAutoFit/>
+          </a:bodyPr>
+          <a:lstStyle/>
+          <a:p>
+            <a:pPr algn="ctr"/>
+            <a:r>
+              <a:rPr lang="en-US" sz="2000" dirty="0"/>
+              <a:t>Effect of bug</a:t>
+            </a:r>
+          </a:p>
+        </p:txBody>
+      </p:sp>
       <p:grpSp>
         <p:nvGrpSpPr>
-          <p:cNvPr id="28" name="Group 27">
-            <a:extLst>
-              <a:ext uri="{FF2B5EF4-FFF2-40B4-BE49-F238E27FC236}">
-                <a16:creationId xmlns:a16="http://schemas.microsoft.com/office/drawing/2014/main" id="{05A74F23-7279-428D-9F73-51F01D9D1E0C}"/>
+          <p:cNvPr id="3" name="Group 2">
+            <a:extLst>
+              <a:ext uri="{FF2B5EF4-FFF2-40B4-BE49-F238E27FC236}">
+                <a16:creationId xmlns:a16="http://schemas.microsoft.com/office/drawing/2014/main" id="{F22A8715-16D3-459C-AEA7-FB9CCDD3E651}"/>
               </a:ext>
             </a:extLst>
           </p:cNvPr>
@@ -5583,18 +5719,245 @@
         </p:nvGrpSpPr>
         <p:grpSpPr>
           <a:xfrm>
-            <a:off x="29128" y="385542"/>
-            <a:ext cx="4112580" cy="2409626"/>
-            <a:chOff x="-329249" y="4062097"/>
-            <a:chExt cx="4112580" cy="2409626"/>
+            <a:off x="95873" y="392431"/>
+            <a:ext cx="3979548" cy="2824056"/>
+            <a:chOff x="95873" y="392431"/>
+            <a:chExt cx="3979548" cy="2824056"/>
           </a:xfrm>
         </p:grpSpPr>
+        <p:grpSp>
+          <p:nvGrpSpPr>
+            <p:cNvPr id="28" name="Group 27">
+              <a:extLst>
+                <a:ext uri="{FF2B5EF4-FFF2-40B4-BE49-F238E27FC236}">
+                  <a16:creationId xmlns:a16="http://schemas.microsoft.com/office/drawing/2014/main" id="{05A74F23-7279-428D-9F73-51F01D9D1E0C}"/>
+                </a:ext>
+              </a:extLst>
+            </p:cNvPr>
+            <p:cNvGrpSpPr/>
+            <p:nvPr/>
+          </p:nvGrpSpPr>
+          <p:grpSpPr>
+            <a:xfrm>
+              <a:off x="95873" y="392431"/>
+              <a:ext cx="3979548" cy="2824056"/>
+              <a:chOff x="-262504" y="4068986"/>
+              <a:chExt cx="3979548" cy="2824056"/>
+            </a:xfrm>
+          </p:grpSpPr>
+          <p:sp>
+            <p:nvSpPr>
+              <p:cNvPr id="29" name="TextBox 28">
+                <a:extLst>
+                  <a:ext uri="{FF2B5EF4-FFF2-40B4-BE49-F238E27FC236}">
+                    <a16:creationId xmlns:a16="http://schemas.microsoft.com/office/drawing/2014/main" id="{07960C50-C248-441C-B04C-2DDC85889C13}"/>
+                  </a:ext>
+                </a:extLst>
+              </p:cNvPr>
+              <p:cNvSpPr txBox="1"/>
+              <p:nvPr/>
+            </p:nvSpPr>
+            <p:spPr>
+              <a:xfrm>
+                <a:off x="-262504" y="6431377"/>
+                <a:ext cx="2653032" cy="461665"/>
+              </a:xfrm>
+              <a:prstGeom prst="rect">
+                <a:avLst/>
+              </a:prstGeom>
+              <a:noFill/>
+            </p:spPr>
+            <p:txBody>
+              <a:bodyPr wrap="square" rtlCol="0">
+                <a:spAutoFit/>
+              </a:bodyPr>
+              <a:lstStyle/>
+              <a:p>
+                <a:pPr algn="ctr"/>
+                <a:r>
+                  <a:rPr lang="en-US" sz="2400" dirty="0"/>
+                  <a:t>At Building 1</a:t>
+                </a:r>
+              </a:p>
+            </p:txBody>
+          </p:sp>
+          <p:cxnSp>
+            <p:nvCxnSpPr>
+              <p:cNvPr id="30" name="Straight Arrow Connector 29">
+                <a:extLst>
+                  <a:ext uri="{FF2B5EF4-FFF2-40B4-BE49-F238E27FC236}">
+                    <a16:creationId xmlns:a16="http://schemas.microsoft.com/office/drawing/2014/main" id="{4CC6E0C5-B992-4D98-AD8C-7218E585B189}"/>
+                  </a:ext>
+                </a:extLst>
+              </p:cNvPr>
+              <p:cNvCxnSpPr>
+                <a:cxnSpLocks/>
+                <a:stCxn id="29" idx="0"/>
+              </p:cNvCxnSpPr>
+              <p:nvPr/>
+            </p:nvCxnSpPr>
+            <p:spPr>
+              <a:xfrm flipV="1">
+                <a:off x="1064012" y="4864165"/>
+                <a:ext cx="29539" cy="1567212"/>
+              </a:xfrm>
+              <a:prstGeom prst="straightConnector1">
+                <a:avLst/>
+              </a:prstGeom>
+              <a:ln w="76200">
+                <a:solidFill>
+                  <a:schemeClr val="tx1"/>
+                </a:solidFill>
+                <a:tailEnd type="triangle"/>
+              </a:ln>
+            </p:spPr>
+            <p:style>
+              <a:lnRef idx="1">
+                <a:schemeClr val="accent1"/>
+              </a:lnRef>
+              <a:fillRef idx="0">
+                <a:schemeClr val="accent1"/>
+              </a:fillRef>
+              <a:effectRef idx="0">
+                <a:schemeClr val="accent1"/>
+              </a:effectRef>
+              <a:fontRef idx="minor">
+                <a:schemeClr val="tx1"/>
+              </a:fontRef>
+            </p:style>
+          </p:cxnSp>
+          <p:sp>
+            <p:nvSpPr>
+              <p:cNvPr id="31" name="TextBox 30">
+                <a:extLst>
+                  <a:ext uri="{FF2B5EF4-FFF2-40B4-BE49-F238E27FC236}">
+                    <a16:creationId xmlns:a16="http://schemas.microsoft.com/office/drawing/2014/main" id="{F6F57CB3-CE9D-4118-A60D-187ABB096B68}"/>
+                  </a:ext>
+                </a:extLst>
+              </p:cNvPr>
+              <p:cNvSpPr txBox="1"/>
+              <p:nvPr/>
+            </p:nvSpPr>
+            <p:spPr>
+              <a:xfrm>
+                <a:off x="-232965" y="4068986"/>
+                <a:ext cx="2653032" cy="830997"/>
+              </a:xfrm>
+              <a:prstGeom prst="rect">
+                <a:avLst/>
+              </a:prstGeom>
+              <a:noFill/>
+            </p:spPr>
+            <p:txBody>
+              <a:bodyPr wrap="square" rtlCol="0">
+                <a:spAutoFit/>
+              </a:bodyPr>
+              <a:lstStyle/>
+              <a:p>
+                <a:pPr algn="ctr"/>
+                <a:r>
+                  <a:rPr lang="en-US" sz="2400" dirty="0"/>
+                  <a:t>Facing </a:t>
+                </a:r>
+                <a:br>
+                  <a:rPr lang="en-US" sz="2400" dirty="0"/>
+                </a:br>
+                <a:r>
+                  <a:rPr lang="en-US" sz="2400" dirty="0"/>
+                  <a:t>Building 2</a:t>
+                </a:r>
+              </a:p>
+            </p:txBody>
+          </p:sp>
+          <p:cxnSp>
+            <p:nvCxnSpPr>
+              <p:cNvPr id="32" name="Straight Arrow Connector 31">
+                <a:extLst>
+                  <a:ext uri="{FF2B5EF4-FFF2-40B4-BE49-F238E27FC236}">
+                    <a16:creationId xmlns:a16="http://schemas.microsoft.com/office/drawing/2014/main" id="{F1AE1A05-9F26-4785-8590-B9392E6357F5}"/>
+                  </a:ext>
+                </a:extLst>
+              </p:cNvPr>
+              <p:cNvCxnSpPr>
+                <a:cxnSpLocks/>
+                <a:stCxn id="29" idx="0"/>
+              </p:cNvCxnSpPr>
+              <p:nvPr/>
+            </p:nvCxnSpPr>
+            <p:spPr>
+              <a:xfrm flipV="1">
+                <a:off x="1064012" y="5174563"/>
+                <a:ext cx="1348094" cy="1256814"/>
+              </a:xfrm>
+              <a:prstGeom prst="straightConnector1">
+                <a:avLst/>
+              </a:prstGeom>
+              <a:ln w="76200">
+                <a:solidFill>
+                  <a:schemeClr val="tx1"/>
+                </a:solidFill>
+                <a:prstDash val="sysDot"/>
+                <a:tailEnd type="triangle"/>
+              </a:ln>
+            </p:spPr>
+            <p:style>
+              <a:lnRef idx="1">
+                <a:schemeClr val="accent1"/>
+              </a:lnRef>
+              <a:fillRef idx="0">
+                <a:schemeClr val="accent1"/>
+              </a:fillRef>
+              <a:effectRef idx="0">
+                <a:schemeClr val="accent1"/>
+              </a:effectRef>
+              <a:fontRef idx="minor">
+                <a:schemeClr val="tx1"/>
+              </a:fontRef>
+            </p:style>
+          </p:cxnSp>
+          <p:sp>
+            <p:nvSpPr>
+              <p:cNvPr id="33" name="TextBox 32">
+                <a:extLst>
+                  <a:ext uri="{FF2B5EF4-FFF2-40B4-BE49-F238E27FC236}">
+                    <a16:creationId xmlns:a16="http://schemas.microsoft.com/office/drawing/2014/main" id="{E86DC38B-9EFD-4A81-8DDB-FEB90EDC6617}"/>
+                  </a:ext>
+                </a:extLst>
+              </p:cNvPr>
+              <p:cNvSpPr txBox="1"/>
+              <p:nvPr/>
+            </p:nvSpPr>
+            <p:spPr>
+              <a:xfrm>
+                <a:off x="1611071" y="4337698"/>
+                <a:ext cx="2105973" cy="830997"/>
+              </a:xfrm>
+              <a:prstGeom prst="rect">
+                <a:avLst/>
+              </a:prstGeom>
+              <a:noFill/>
+            </p:spPr>
+            <p:txBody>
+              <a:bodyPr wrap="square" rtlCol="0">
+                <a:spAutoFit/>
+              </a:bodyPr>
+              <a:lstStyle/>
+              <a:p>
+                <a:pPr algn="ctr"/>
+                <a:r>
+                  <a:rPr lang="en-US" sz="2400" dirty="0"/>
+                  <a:t>Point to Building 3</a:t>
+                </a:r>
+              </a:p>
+            </p:txBody>
+          </p:sp>
+        </p:grpSp>
         <p:sp>
           <p:nvSpPr>
-            <p:cNvPr id="29" name="TextBox 28">
+            <p:cNvPr id="2" name="TextBox 1">
               <a:extLst>
                 <a:ext uri="{FF2B5EF4-FFF2-40B4-BE49-F238E27FC236}">
-                  <a16:creationId xmlns:a16="http://schemas.microsoft.com/office/drawing/2014/main" id="{07960C50-C248-441C-B04C-2DDC85889C13}"/>
+                  <a16:creationId xmlns:a16="http://schemas.microsoft.com/office/drawing/2014/main" id="{C441F497-204E-4C6A-B99A-D5316EECA74B}"/>
                 </a:ext>
               </a:extLst>
             </p:cNvPr>
@@ -5602,9 +5965,9 @@
             <p:nvPr/>
           </p:nvSpPr>
           <p:spPr>
-            <a:xfrm>
-              <a:off x="-319408" y="6010058"/>
-              <a:ext cx="2653032" cy="461665"/>
+            <a:xfrm rot="19126696">
+              <a:off x="1725828" y="1995973"/>
+              <a:ext cx="1267915" cy="646331"/>
             </a:xfrm>
             <a:prstGeom prst="rect">
               <a:avLst/>
@@ -5619,62 +5982,18 @@
             <a:p>
               <a:pPr algn="ctr"/>
               <a:r>
-                <a:rPr lang="en-US" sz="2400" dirty="0"/>
-                <a:t>At Batty Hall</a:t>
+                <a:rPr lang="en-US" dirty="0"/>
+                <a:t>Participant Angle</a:t>
               </a:r>
             </a:p>
           </p:txBody>
         </p:sp>
-        <p:cxnSp>
-          <p:nvCxnSpPr>
-            <p:cNvPr id="30" name="Straight Arrow Connector 29">
+        <p:sp>
+          <p:nvSpPr>
+            <p:cNvPr id="27" name="TextBox 26">
               <a:extLst>
                 <a:ext uri="{FF2B5EF4-FFF2-40B4-BE49-F238E27FC236}">
-                  <a16:creationId xmlns:a16="http://schemas.microsoft.com/office/drawing/2014/main" id="{4CC6E0C5-B992-4D98-AD8C-7218E585B189}"/>
-                </a:ext>
-              </a:extLst>
-            </p:cNvPr>
-            <p:cNvCxnSpPr>
-              <a:cxnSpLocks/>
-            </p:cNvCxnSpPr>
-            <p:nvPr/>
-          </p:nvCxnSpPr>
-          <p:spPr>
-            <a:xfrm flipV="1">
-              <a:off x="1007108" y="4907280"/>
-              <a:ext cx="0" cy="1102778"/>
-            </a:xfrm>
-            <a:prstGeom prst="straightConnector1">
-              <a:avLst/>
-            </a:prstGeom>
-            <a:ln w="76200">
-              <a:solidFill>
-                <a:schemeClr val="tx1"/>
-              </a:solidFill>
-              <a:tailEnd type="triangle"/>
-            </a:ln>
-          </p:spPr>
-          <p:style>
-            <a:lnRef idx="1">
-              <a:schemeClr val="accent1"/>
-            </a:lnRef>
-            <a:fillRef idx="0">
-              <a:schemeClr val="accent1"/>
-            </a:fillRef>
-            <a:effectRef idx="0">
-              <a:schemeClr val="accent1"/>
-            </a:effectRef>
-            <a:fontRef idx="minor">
-              <a:schemeClr val="tx1"/>
-            </a:fontRef>
-          </p:style>
-        </p:cxnSp>
-        <p:sp>
-          <p:nvSpPr>
-            <p:cNvPr id="31" name="TextBox 30">
-              <a:extLst>
-                <a:ext uri="{FF2B5EF4-FFF2-40B4-BE49-F238E27FC236}">
-                  <a16:creationId xmlns:a16="http://schemas.microsoft.com/office/drawing/2014/main" id="{F6F57CB3-CE9D-4118-A60D-187ABB096B68}"/>
+                  <a16:creationId xmlns:a16="http://schemas.microsoft.com/office/drawing/2014/main" id="{CF7A3A04-CC09-40AE-8CF0-FF8299DDA46C}"/>
                 </a:ext>
               </a:extLst>
             </p:cNvPr>
@@ -5682,9 +6001,9 @@
             <p:nvPr/>
           </p:nvSpPr>
           <p:spPr>
-            <a:xfrm>
-              <a:off x="-329249" y="4062097"/>
-              <a:ext cx="2653032" cy="830997"/>
+            <a:xfrm rot="16200000">
+              <a:off x="459023" y="1695441"/>
+              <a:ext cx="1267915" cy="646331"/>
             </a:xfrm>
             <a:prstGeom prst="rect">
               <a:avLst/>
@@ -5699,89 +6018,8 @@
             <a:p>
               <a:pPr algn="ctr"/>
               <a:r>
-                <a:rPr lang="en-US" sz="2400" dirty="0"/>
-                <a:t>Facing Lynch Station</a:t>
-              </a:r>
-            </a:p>
-          </p:txBody>
-        </p:sp>
-        <p:cxnSp>
-          <p:nvCxnSpPr>
-            <p:cNvPr id="32" name="Straight Arrow Connector 31">
-              <a:extLst>
-                <a:ext uri="{FF2B5EF4-FFF2-40B4-BE49-F238E27FC236}">
-                  <a16:creationId xmlns:a16="http://schemas.microsoft.com/office/drawing/2014/main" id="{F1AE1A05-9F26-4785-8590-B9392E6357F5}"/>
-                </a:ext>
-              </a:extLst>
-            </p:cNvPr>
-            <p:cNvCxnSpPr>
-              <a:cxnSpLocks/>
-              <a:stCxn id="29" idx="0"/>
-            </p:cNvCxnSpPr>
-            <p:nvPr/>
-          </p:nvCxnSpPr>
-          <p:spPr>
-            <a:xfrm flipV="1">
-              <a:off x="1007108" y="5115560"/>
-              <a:ext cx="887732" cy="894498"/>
-            </a:xfrm>
-            <a:prstGeom prst="straightConnector1">
-              <a:avLst/>
-            </a:prstGeom>
-            <a:ln w="76200">
-              <a:solidFill>
-                <a:schemeClr val="tx1"/>
-              </a:solidFill>
-              <a:tailEnd type="triangle"/>
-            </a:ln>
-          </p:spPr>
-          <p:style>
-            <a:lnRef idx="1">
-              <a:schemeClr val="accent1"/>
-            </a:lnRef>
-            <a:fillRef idx="0">
-              <a:schemeClr val="accent1"/>
-            </a:fillRef>
-            <a:effectRef idx="0">
-              <a:schemeClr val="accent1"/>
-            </a:effectRef>
-            <a:fontRef idx="minor">
-              <a:schemeClr val="tx1"/>
-            </a:fontRef>
-          </p:style>
-        </p:cxnSp>
-        <p:sp>
-          <p:nvSpPr>
-            <p:cNvPr id="33" name="TextBox 32">
-              <a:extLst>
-                <a:ext uri="{FF2B5EF4-FFF2-40B4-BE49-F238E27FC236}">
-                  <a16:creationId xmlns:a16="http://schemas.microsoft.com/office/drawing/2014/main" id="{E86DC38B-9EFD-4A81-8DDB-FEB90EDC6617}"/>
-                </a:ext>
-              </a:extLst>
-            </p:cNvPr>
-            <p:cNvSpPr txBox="1"/>
-            <p:nvPr/>
-          </p:nvSpPr>
-          <p:spPr>
-            <a:xfrm>
-              <a:off x="1130299" y="4646170"/>
-              <a:ext cx="2653032" cy="461665"/>
-            </a:xfrm>
-            <a:prstGeom prst="rect">
-              <a:avLst/>
-            </a:prstGeom>
-            <a:noFill/>
-          </p:spPr>
-          <p:txBody>
-            <a:bodyPr wrap="square" rtlCol="0">
-              <a:spAutoFit/>
-            </a:bodyPr>
-            <a:lstStyle/>
-            <a:p>
-              <a:pPr algn="ctr"/>
-              <a:r>
-                <a:rPr lang="en-US" sz="2400" dirty="0"/>
-                <a:t>Harris Hall</a:t>
+                <a:rPr lang="en-US" dirty="0"/>
+                <a:t>Reference Angle</a:t>
               </a:r>
             </a:p>
           </p:txBody>

--- a/images/pointingDemos.pptx
+++ b/images/pointingDemos.pptx
@@ -8,6 +8,8 @@
     <p:sldId id="262" r:id="rId2"/>
     <p:sldId id="259" r:id="rId3"/>
     <p:sldId id="261" r:id="rId4"/>
+    <p:sldId id="263" r:id="rId5"/>
+    <p:sldId id="264" r:id="rId6"/>
   </p:sldIdLst>
   <p:sldSz cx="12192000" cy="6858000"/>
   <p:notesSz cx="6858000" cy="9144000"/>
@@ -272,7 +274,7 @@
           <a:p>
             <a:fld id="{377ECD9E-B68C-4BE3-AE6F-57250C99820B}" type="datetimeFigureOut">
               <a:rPr lang="en-US" smtClean="0"/>
-              <a:t>4/19/2021</a:t>
+              <a:t>1/13/2022</a:t>
             </a:fld>
             <a:endParaRPr lang="en-US"/>
           </a:p>
@@ -470,7 +472,7 @@
           <a:p>
             <a:fld id="{377ECD9E-B68C-4BE3-AE6F-57250C99820B}" type="datetimeFigureOut">
               <a:rPr lang="en-US" smtClean="0"/>
-              <a:t>4/19/2021</a:t>
+              <a:t>1/13/2022</a:t>
             </a:fld>
             <a:endParaRPr lang="en-US"/>
           </a:p>
@@ -678,7 +680,7 @@
           <a:p>
             <a:fld id="{377ECD9E-B68C-4BE3-AE6F-57250C99820B}" type="datetimeFigureOut">
               <a:rPr lang="en-US" smtClean="0"/>
-              <a:t>4/19/2021</a:t>
+              <a:t>1/13/2022</a:t>
             </a:fld>
             <a:endParaRPr lang="en-US"/>
           </a:p>
@@ -876,7 +878,7 @@
           <a:p>
             <a:fld id="{377ECD9E-B68C-4BE3-AE6F-57250C99820B}" type="datetimeFigureOut">
               <a:rPr lang="en-US" smtClean="0"/>
-              <a:t>4/19/2021</a:t>
+              <a:t>1/13/2022</a:t>
             </a:fld>
             <a:endParaRPr lang="en-US"/>
           </a:p>
@@ -1151,7 +1153,7 @@
           <a:p>
             <a:fld id="{377ECD9E-B68C-4BE3-AE6F-57250C99820B}" type="datetimeFigureOut">
               <a:rPr lang="en-US" smtClean="0"/>
-              <a:t>4/19/2021</a:t>
+              <a:t>1/13/2022</a:t>
             </a:fld>
             <a:endParaRPr lang="en-US"/>
           </a:p>
@@ -1416,7 +1418,7 @@
           <a:p>
             <a:fld id="{377ECD9E-B68C-4BE3-AE6F-57250C99820B}" type="datetimeFigureOut">
               <a:rPr lang="en-US" smtClean="0"/>
-              <a:t>4/19/2021</a:t>
+              <a:t>1/13/2022</a:t>
             </a:fld>
             <a:endParaRPr lang="en-US"/>
           </a:p>
@@ -1828,7 +1830,7 @@
           <a:p>
             <a:fld id="{377ECD9E-B68C-4BE3-AE6F-57250C99820B}" type="datetimeFigureOut">
               <a:rPr lang="en-US" smtClean="0"/>
-              <a:t>4/19/2021</a:t>
+              <a:t>1/13/2022</a:t>
             </a:fld>
             <a:endParaRPr lang="en-US"/>
           </a:p>
@@ -1969,7 +1971,7 @@
           <a:p>
             <a:fld id="{377ECD9E-B68C-4BE3-AE6F-57250C99820B}" type="datetimeFigureOut">
               <a:rPr lang="en-US" smtClean="0"/>
-              <a:t>4/19/2021</a:t>
+              <a:t>1/13/2022</a:t>
             </a:fld>
             <a:endParaRPr lang="en-US"/>
           </a:p>
@@ -2082,7 +2084,7 @@
           <a:p>
             <a:fld id="{377ECD9E-B68C-4BE3-AE6F-57250C99820B}" type="datetimeFigureOut">
               <a:rPr lang="en-US" smtClean="0"/>
-              <a:t>4/19/2021</a:t>
+              <a:t>1/13/2022</a:t>
             </a:fld>
             <a:endParaRPr lang="en-US"/>
           </a:p>
@@ -2393,7 +2395,7 @@
           <a:p>
             <a:fld id="{377ECD9E-B68C-4BE3-AE6F-57250C99820B}" type="datetimeFigureOut">
               <a:rPr lang="en-US" smtClean="0"/>
-              <a:t>4/19/2021</a:t>
+              <a:t>1/13/2022</a:t>
             </a:fld>
             <a:endParaRPr lang="en-US"/>
           </a:p>
@@ -2681,7 +2683,7 @@
           <a:p>
             <a:fld id="{377ECD9E-B68C-4BE3-AE6F-57250C99820B}" type="datetimeFigureOut">
               <a:rPr lang="en-US" smtClean="0"/>
-              <a:t>4/19/2021</a:t>
+              <a:t>1/13/2022</a:t>
             </a:fld>
             <a:endParaRPr lang="en-US"/>
           </a:p>
@@ -2922,7 +2924,7 @@
           <a:p>
             <a:fld id="{377ECD9E-B68C-4BE3-AE6F-57250C99820B}" type="datetimeFigureOut">
               <a:rPr lang="en-US" smtClean="0"/>
-              <a:t>4/19/2021</a:t>
+              <a:t>1/13/2022</a:t>
             </a:fld>
             <a:endParaRPr lang="en-US"/>
           </a:p>
@@ -5181,8 +5183,8 @@
         </p:nvSpPr>
         <p:spPr>
           <a:xfrm rot="18900000">
-            <a:off x="6510346" y="2203646"/>
-            <a:ext cx="1800225" cy="400110"/>
+            <a:off x="6465954" y="2096477"/>
+            <a:ext cx="2103346" cy="400110"/>
           </a:xfrm>
           <a:prstGeom prst="rect">
             <a:avLst/>
@@ -5201,7 +5203,7 @@
                   <a:schemeClr val="accent2"/>
                 </a:solidFill>
               </a:rPr>
-              <a:t>Correct Answer</a:t>
+              <a:t>Correct Direction</a:t>
             </a:r>
           </a:p>
         </p:txBody>
@@ -5459,7 +5461,7 @@
                   <a:srgbClr val="FF0000"/>
                 </a:solidFill>
               </a:rPr>
-              <a:t>Buggy Participant Angle</a:t>
+              <a:t>Buggy response direction</a:t>
             </a:r>
           </a:p>
         </p:txBody>
@@ -5557,7 +5559,7 @@
             <a:pPr algn="ctr"/>
             <a:r>
               <a:rPr lang="en-US" sz="2000" dirty="0"/>
-              <a:t>Correct Error</a:t>
+              <a:t>Actual Error</a:t>
             </a:r>
           </a:p>
           <a:p>
@@ -5584,7 +5586,7 @@
         <p:spPr>
           <a:xfrm>
             <a:off x="3678169" y="3424338"/>
-            <a:ext cx="2283804" cy="400110"/>
+            <a:ext cx="2283804" cy="707886"/>
           </a:xfrm>
           <a:prstGeom prst="rect">
             <a:avLst/>
@@ -5603,7 +5605,17 @@
                   <a:schemeClr val="accent6"/>
                 </a:solidFill>
               </a:rPr>
-              <a:t>Participant Angle</a:t>
+              <a:t>Response</a:t>
+            </a:r>
+          </a:p>
+          <a:p>
+            <a:r>
+              <a:rPr lang="en-US" sz="2000" dirty="0">
+                <a:solidFill>
+                  <a:schemeClr val="accent6"/>
+                </a:solidFill>
+              </a:rPr>
+              <a:t>direction</a:t>
             </a:r>
           </a:p>
         </p:txBody>
@@ -5983,7 +5995,7 @@
               <a:pPr algn="ctr"/>
               <a:r>
                 <a:rPr lang="en-US" dirty="0"/>
-                <a:t>Participant Angle</a:t>
+                <a:t>Response Direction</a:t>
               </a:r>
             </a:p>
           </p:txBody>
@@ -6019,7 +6031,7 @@
               <a:pPr algn="ctr"/>
               <a:r>
                 <a:rPr lang="en-US" dirty="0"/>
-                <a:t>Reference Angle</a:t>
+                <a:t>Reference Direction</a:t>
               </a:r>
             </a:p>
           </p:txBody>
@@ -6029,6 +6041,2654 @@
     <p:extLst>
       <p:ext uri="{BB962C8B-B14F-4D97-AF65-F5344CB8AC3E}">
         <p14:creationId xmlns:p14="http://schemas.microsoft.com/office/powerpoint/2010/main" val="3523840888"/>
+      </p:ext>
+    </p:extLst>
+  </p:cSld>
+  <p:clrMapOvr>
+    <a:masterClrMapping/>
+  </p:clrMapOvr>
+</p:sld>
+</file>
+
+<file path=ppt/slides/slide4.xml><?xml version="1.0" encoding="utf-8"?>
+<p:sld xmlns:a="http://schemas.openxmlformats.org/drawingml/2006/main" xmlns:r="http://schemas.openxmlformats.org/officeDocument/2006/relationships" xmlns:p="http://schemas.openxmlformats.org/presentationml/2006/main">
+  <p:cSld>
+    <p:spTree>
+      <p:nvGrpSpPr>
+        <p:cNvPr id="1" name=""/>
+        <p:cNvGrpSpPr/>
+        <p:nvPr/>
+      </p:nvGrpSpPr>
+      <p:grpSpPr>
+        <a:xfrm>
+          <a:off x="0" y="0"/>
+          <a:ext cx="0" cy="0"/>
+          <a:chOff x="0" y="0"/>
+          <a:chExt cx="0" cy="0"/>
+        </a:xfrm>
+      </p:grpSpPr>
+      <p:sp>
+        <p:nvSpPr>
+          <p:cNvPr id="4" name="Oval 3">
+            <a:extLst>
+              <a:ext uri="{FF2B5EF4-FFF2-40B4-BE49-F238E27FC236}">
+                <a16:creationId xmlns:a16="http://schemas.microsoft.com/office/drawing/2014/main" id="{C7861A26-8971-4E74-9C15-E7C77954EA73}"/>
+              </a:ext>
+            </a:extLst>
+          </p:cNvPr>
+          <p:cNvSpPr/>
+          <p:nvPr/>
+        </p:nvSpPr>
+        <p:spPr>
+          <a:xfrm>
+            <a:off x="3286125" y="619125"/>
+            <a:ext cx="5638800" cy="5638800"/>
+          </a:xfrm>
+          <a:prstGeom prst="ellipse">
+            <a:avLst/>
+          </a:prstGeom>
+          <a:solidFill>
+            <a:schemeClr val="bg1"/>
+          </a:solidFill>
+          <a:ln w="57150">
+            <a:solidFill>
+              <a:schemeClr val="tx1"/>
+            </a:solidFill>
+          </a:ln>
+        </p:spPr>
+        <p:style>
+          <a:lnRef idx="2">
+            <a:schemeClr val="accent1">
+              <a:shade val="50000"/>
+            </a:schemeClr>
+          </a:lnRef>
+          <a:fillRef idx="1">
+            <a:schemeClr val="accent1"/>
+          </a:fillRef>
+          <a:effectRef idx="0">
+            <a:schemeClr val="accent1"/>
+          </a:effectRef>
+          <a:fontRef idx="minor">
+            <a:schemeClr val="lt1"/>
+          </a:fontRef>
+        </p:style>
+        <p:txBody>
+          <a:bodyPr rtlCol="0" anchor="ctr"/>
+          <a:lstStyle/>
+          <a:p>
+            <a:pPr algn="ctr"/>
+            <a:endParaRPr lang="en-US" dirty="0"/>
+          </a:p>
+        </p:txBody>
+      </p:sp>
+      <p:sp>
+        <p:nvSpPr>
+          <p:cNvPr id="8" name="TextBox 7">
+            <a:extLst>
+              <a:ext uri="{FF2B5EF4-FFF2-40B4-BE49-F238E27FC236}">
+                <a16:creationId xmlns:a16="http://schemas.microsoft.com/office/drawing/2014/main" id="{D2C79FD3-CBB3-41FA-8137-D5232B785DA5}"/>
+              </a:ext>
+            </a:extLst>
+          </p:cNvPr>
+          <p:cNvSpPr txBox="1"/>
+          <p:nvPr/>
+        </p:nvSpPr>
+        <p:spPr>
+          <a:xfrm>
+            <a:off x="5869556" y="34350"/>
+            <a:ext cx="592852" cy="584775"/>
+          </a:xfrm>
+          <a:prstGeom prst="rect">
+            <a:avLst/>
+          </a:prstGeom>
+          <a:noFill/>
+        </p:spPr>
+        <p:txBody>
+          <a:bodyPr wrap="square" rtlCol="0">
+            <a:spAutoFit/>
+          </a:bodyPr>
+          <a:lstStyle/>
+          <a:p>
+            <a:pPr algn="ctr"/>
+            <a:r>
+              <a:rPr lang="en-US" sz="3200" dirty="0"/>
+              <a:t>0˚</a:t>
+            </a:r>
+          </a:p>
+        </p:txBody>
+      </p:sp>
+      <p:sp>
+        <p:nvSpPr>
+          <p:cNvPr id="9" name="TextBox 8">
+            <a:extLst>
+              <a:ext uri="{FF2B5EF4-FFF2-40B4-BE49-F238E27FC236}">
+                <a16:creationId xmlns:a16="http://schemas.microsoft.com/office/drawing/2014/main" id="{288D5EB5-E406-46A2-8374-1CF1443C1FC5}"/>
+              </a:ext>
+            </a:extLst>
+          </p:cNvPr>
+          <p:cNvSpPr txBox="1"/>
+          <p:nvPr/>
+        </p:nvSpPr>
+        <p:spPr>
+          <a:xfrm>
+            <a:off x="5275811" y="6229558"/>
+            <a:ext cx="1640378" cy="584775"/>
+          </a:xfrm>
+          <a:prstGeom prst="rect">
+            <a:avLst/>
+          </a:prstGeom>
+          <a:noFill/>
+        </p:spPr>
+        <p:txBody>
+          <a:bodyPr wrap="square" rtlCol="0">
+            <a:spAutoFit/>
+          </a:bodyPr>
+          <a:lstStyle/>
+          <a:p>
+            <a:pPr algn="ctr"/>
+            <a:r>
+              <a:rPr lang="en-US" sz="3200" dirty="0"/>
+              <a:t>±180˚</a:t>
+            </a:r>
+          </a:p>
+        </p:txBody>
+      </p:sp>
+      <p:sp>
+        <p:nvSpPr>
+          <p:cNvPr id="10" name="TextBox 9">
+            <a:extLst>
+              <a:ext uri="{FF2B5EF4-FFF2-40B4-BE49-F238E27FC236}">
+                <a16:creationId xmlns:a16="http://schemas.microsoft.com/office/drawing/2014/main" id="{671AD809-1C08-426A-B886-3C92B14F9BA6}"/>
+              </a:ext>
+            </a:extLst>
+          </p:cNvPr>
+          <p:cNvSpPr txBox="1"/>
+          <p:nvPr/>
+        </p:nvSpPr>
+        <p:spPr>
+          <a:xfrm>
+            <a:off x="8820149" y="3136612"/>
+            <a:ext cx="1085852" cy="584775"/>
+          </a:xfrm>
+          <a:prstGeom prst="rect">
+            <a:avLst/>
+          </a:prstGeom>
+          <a:noFill/>
+        </p:spPr>
+        <p:txBody>
+          <a:bodyPr wrap="square" rtlCol="0">
+            <a:spAutoFit/>
+          </a:bodyPr>
+          <a:lstStyle/>
+          <a:p>
+            <a:pPr algn="ctr"/>
+            <a:r>
+              <a:rPr lang="en-US" sz="3200" dirty="0">
+                <a:solidFill>
+                  <a:srgbClr val="FF0000"/>
+                </a:solidFill>
+              </a:rPr>
+              <a:t>90˚</a:t>
+            </a:r>
+          </a:p>
+        </p:txBody>
+      </p:sp>
+      <p:sp>
+        <p:nvSpPr>
+          <p:cNvPr id="11" name="TextBox 10">
+            <a:extLst>
+              <a:ext uri="{FF2B5EF4-FFF2-40B4-BE49-F238E27FC236}">
+                <a16:creationId xmlns:a16="http://schemas.microsoft.com/office/drawing/2014/main" id="{3485FD1B-012B-4D91-9974-55EF0D5BDEB5}"/>
+              </a:ext>
+            </a:extLst>
+          </p:cNvPr>
+          <p:cNvSpPr txBox="1"/>
+          <p:nvPr/>
+        </p:nvSpPr>
+        <p:spPr>
+          <a:xfrm>
+            <a:off x="2165989" y="3146137"/>
+            <a:ext cx="1085852" cy="584775"/>
+          </a:xfrm>
+          <a:prstGeom prst="rect">
+            <a:avLst/>
+          </a:prstGeom>
+          <a:noFill/>
+        </p:spPr>
+        <p:txBody>
+          <a:bodyPr wrap="square" rtlCol="0">
+            <a:spAutoFit/>
+          </a:bodyPr>
+          <a:lstStyle/>
+          <a:p>
+            <a:pPr algn="ctr"/>
+            <a:r>
+              <a:rPr lang="en-US" sz="3200" dirty="0">
+                <a:solidFill>
+                  <a:schemeClr val="accent5"/>
+                </a:solidFill>
+              </a:rPr>
+              <a:t>-90˚</a:t>
+            </a:r>
+          </a:p>
+        </p:txBody>
+      </p:sp>
+      <p:cxnSp>
+        <p:nvCxnSpPr>
+          <p:cNvPr id="13" name="Straight Connector 12">
+            <a:extLst>
+              <a:ext uri="{FF2B5EF4-FFF2-40B4-BE49-F238E27FC236}">
+                <a16:creationId xmlns:a16="http://schemas.microsoft.com/office/drawing/2014/main" id="{93C80D1B-35A3-45B7-AEA6-0A98B27BBD4F}"/>
+              </a:ext>
+            </a:extLst>
+          </p:cNvPr>
+          <p:cNvCxnSpPr>
+            <a:cxnSpLocks/>
+            <a:endCxn id="4" idx="7"/>
+          </p:cNvCxnSpPr>
+          <p:nvPr/>
+        </p:nvCxnSpPr>
+        <p:spPr>
+          <a:xfrm flipV="1">
+            <a:off x="6105525" y="1444908"/>
+            <a:ext cx="1993617" cy="1979431"/>
+          </a:xfrm>
+          <a:prstGeom prst="line">
+            <a:avLst/>
+          </a:prstGeom>
+          <a:ln w="44450">
+            <a:headEnd type="none"/>
+            <a:tailEnd type="triangle" w="lg" len="lg"/>
+          </a:ln>
+        </p:spPr>
+        <p:style>
+          <a:lnRef idx="1">
+            <a:schemeClr val="accent2"/>
+          </a:lnRef>
+          <a:fillRef idx="0">
+            <a:schemeClr val="accent2"/>
+          </a:fillRef>
+          <a:effectRef idx="0">
+            <a:schemeClr val="accent2"/>
+          </a:effectRef>
+          <a:fontRef idx="minor">
+            <a:schemeClr val="tx1"/>
+          </a:fontRef>
+        </p:style>
+      </p:cxnSp>
+      <p:sp>
+        <p:nvSpPr>
+          <p:cNvPr id="14" name="TextBox 13">
+            <a:extLst>
+              <a:ext uri="{FF2B5EF4-FFF2-40B4-BE49-F238E27FC236}">
+                <a16:creationId xmlns:a16="http://schemas.microsoft.com/office/drawing/2014/main" id="{687B210C-5418-453A-8559-A1CE4788BBEF}"/>
+              </a:ext>
+            </a:extLst>
+          </p:cNvPr>
+          <p:cNvSpPr txBox="1"/>
+          <p:nvPr/>
+        </p:nvSpPr>
+        <p:spPr>
+          <a:xfrm>
+            <a:off x="8716416" y="932855"/>
+            <a:ext cx="2103346" cy="608885"/>
+          </a:xfrm>
+          <a:prstGeom prst="rect">
+            <a:avLst/>
+          </a:prstGeom>
+          <a:noFill/>
+        </p:spPr>
+        <p:txBody>
+          <a:bodyPr wrap="square" rtlCol="0">
+            <a:spAutoFit/>
+          </a:bodyPr>
+          <a:lstStyle/>
+          <a:p>
+            <a:pPr>
+              <a:lnSpc>
+                <a:spcPts val="2000"/>
+              </a:lnSpc>
+            </a:pPr>
+            <a:r>
+              <a:rPr lang="en-US" sz="2000" dirty="0">
+                <a:solidFill>
+                  <a:schemeClr val="accent2"/>
+                </a:solidFill>
+              </a:rPr>
+              <a:t>Correct </a:t>
+            </a:r>
+            <a:br>
+              <a:rPr lang="en-US" sz="2000" dirty="0">
+                <a:solidFill>
+                  <a:schemeClr val="accent2"/>
+                </a:solidFill>
+              </a:rPr>
+            </a:br>
+            <a:r>
+              <a:rPr lang="en-US" sz="2000" dirty="0">
+                <a:solidFill>
+                  <a:schemeClr val="accent2"/>
+                </a:solidFill>
+              </a:rPr>
+              <a:t>direction</a:t>
+            </a:r>
+          </a:p>
+        </p:txBody>
+      </p:sp>
+      <p:sp>
+        <p:nvSpPr>
+          <p:cNvPr id="15" name="TextBox 14">
+            <a:extLst>
+              <a:ext uri="{FF2B5EF4-FFF2-40B4-BE49-F238E27FC236}">
+                <a16:creationId xmlns:a16="http://schemas.microsoft.com/office/drawing/2014/main" id="{BF6F564A-AC97-47A0-8DBB-06F25B33AD52}"/>
+              </a:ext>
+            </a:extLst>
+          </p:cNvPr>
+          <p:cNvSpPr txBox="1"/>
+          <p:nvPr/>
+        </p:nvSpPr>
+        <p:spPr>
+          <a:xfrm>
+            <a:off x="7902620" y="932855"/>
+            <a:ext cx="1085852" cy="584775"/>
+          </a:xfrm>
+          <a:prstGeom prst="rect">
+            <a:avLst/>
+          </a:prstGeom>
+          <a:noFill/>
+        </p:spPr>
+        <p:txBody>
+          <a:bodyPr wrap="square" rtlCol="0">
+            <a:spAutoFit/>
+          </a:bodyPr>
+          <a:lstStyle/>
+          <a:p>
+            <a:pPr algn="ctr"/>
+            <a:r>
+              <a:rPr lang="en-US" sz="3200" dirty="0">
+                <a:solidFill>
+                  <a:schemeClr val="accent2"/>
+                </a:solidFill>
+              </a:rPr>
+              <a:t>37˚</a:t>
+            </a:r>
+          </a:p>
+        </p:txBody>
+      </p:sp>
+      <p:cxnSp>
+        <p:nvCxnSpPr>
+          <p:cNvPr id="19" name="Straight Connector 18">
+            <a:extLst>
+              <a:ext uri="{FF2B5EF4-FFF2-40B4-BE49-F238E27FC236}">
+                <a16:creationId xmlns:a16="http://schemas.microsoft.com/office/drawing/2014/main" id="{E69018FB-6949-441B-9AEE-A2C252713CD8}"/>
+              </a:ext>
+            </a:extLst>
+          </p:cNvPr>
+          <p:cNvCxnSpPr>
+            <a:cxnSpLocks/>
+          </p:cNvCxnSpPr>
+          <p:nvPr/>
+        </p:nvCxnSpPr>
+        <p:spPr>
+          <a:xfrm flipH="1" flipV="1">
+            <a:off x="3286126" y="3429001"/>
+            <a:ext cx="2809874" cy="4761"/>
+          </a:xfrm>
+          <a:prstGeom prst="line">
+            <a:avLst/>
+          </a:prstGeom>
+          <a:ln w="44450">
+            <a:solidFill>
+              <a:schemeClr val="accent5"/>
+            </a:solidFill>
+            <a:headEnd type="none" w="med" len="lg"/>
+            <a:tailEnd type="triangle" w="lg" len="lg"/>
+          </a:ln>
+        </p:spPr>
+        <p:style>
+          <a:lnRef idx="1">
+            <a:schemeClr val="accent6"/>
+          </a:lnRef>
+          <a:fillRef idx="0">
+            <a:schemeClr val="accent6"/>
+          </a:fillRef>
+          <a:effectRef idx="0">
+            <a:schemeClr val="accent6"/>
+          </a:effectRef>
+          <a:fontRef idx="minor">
+            <a:schemeClr val="tx1"/>
+          </a:fontRef>
+        </p:style>
+      </p:cxnSp>
+      <p:sp>
+        <p:nvSpPr>
+          <p:cNvPr id="21" name="Arc 20">
+            <a:extLst>
+              <a:ext uri="{FF2B5EF4-FFF2-40B4-BE49-F238E27FC236}">
+                <a16:creationId xmlns:a16="http://schemas.microsoft.com/office/drawing/2014/main" id="{408A85D9-8840-4215-AEB4-200D3B41ACB8}"/>
+              </a:ext>
+            </a:extLst>
+          </p:cNvPr>
+          <p:cNvSpPr/>
+          <p:nvPr/>
+        </p:nvSpPr>
+        <p:spPr>
+          <a:xfrm rot="18900000">
+            <a:off x="3893283" y="1487252"/>
+            <a:ext cx="3930170" cy="3789766"/>
+          </a:xfrm>
+          <a:prstGeom prst="arc">
+            <a:avLst>
+              <a:gd name="adj1" fmla="val 435111"/>
+              <a:gd name="adj2" fmla="val 2725403"/>
+            </a:avLst>
+          </a:prstGeom>
+          <a:ln w="57150">
+            <a:gradFill>
+              <a:gsLst>
+                <a:gs pos="0">
+                  <a:schemeClr val="accent2"/>
+                </a:gs>
+                <a:gs pos="100000">
+                  <a:srgbClr val="FF0000"/>
+                </a:gs>
+              </a:gsLst>
+              <a:lin ang="5400000" scaled="1"/>
+            </a:gradFill>
+            <a:prstDash val="sysDash"/>
+            <a:headEnd type="triangle"/>
+            <a:tailEnd type="none"/>
+          </a:ln>
+        </p:spPr>
+        <p:style>
+          <a:lnRef idx="1">
+            <a:schemeClr val="accent1"/>
+          </a:lnRef>
+          <a:fillRef idx="0">
+            <a:schemeClr val="accent1"/>
+          </a:fillRef>
+          <a:effectRef idx="0">
+            <a:schemeClr val="accent1"/>
+          </a:effectRef>
+          <a:fontRef idx="minor">
+            <a:schemeClr val="tx1"/>
+          </a:fontRef>
+        </p:style>
+        <p:txBody>
+          <a:bodyPr rtlCol="0" anchor="ctr"/>
+          <a:lstStyle/>
+          <a:p>
+            <a:pPr algn="ctr"/>
+            <a:endParaRPr lang="en-US"/>
+          </a:p>
+        </p:txBody>
+      </p:sp>
+      <p:cxnSp>
+        <p:nvCxnSpPr>
+          <p:cNvPr id="17" name="Straight Connector 16">
+            <a:extLst>
+              <a:ext uri="{FF2B5EF4-FFF2-40B4-BE49-F238E27FC236}">
+                <a16:creationId xmlns:a16="http://schemas.microsoft.com/office/drawing/2014/main" id="{83C5BD34-5100-4D48-A3BA-36F936F904DE}"/>
+              </a:ext>
+            </a:extLst>
+          </p:cNvPr>
+          <p:cNvCxnSpPr>
+            <a:cxnSpLocks/>
+          </p:cNvCxnSpPr>
+          <p:nvPr/>
+        </p:nvCxnSpPr>
+        <p:spPr>
+          <a:xfrm>
+            <a:off x="6095637" y="3438524"/>
+            <a:ext cx="2829288" cy="0"/>
+          </a:xfrm>
+          <a:prstGeom prst="line">
+            <a:avLst/>
+          </a:prstGeom>
+          <a:ln w="44450">
+            <a:solidFill>
+              <a:srgbClr val="FF0000"/>
+            </a:solidFill>
+            <a:headEnd type="none" w="lg" len="lg"/>
+            <a:tailEnd type="triangle" w="lg" len="lg"/>
+          </a:ln>
+        </p:spPr>
+        <p:style>
+          <a:lnRef idx="1">
+            <a:schemeClr val="accent6"/>
+          </a:lnRef>
+          <a:fillRef idx="0">
+            <a:schemeClr val="accent6"/>
+          </a:fillRef>
+          <a:effectRef idx="0">
+            <a:schemeClr val="accent6"/>
+          </a:effectRef>
+          <a:fontRef idx="minor">
+            <a:schemeClr val="tx1"/>
+          </a:fontRef>
+        </p:style>
+      </p:cxnSp>
+      <p:sp>
+        <p:nvSpPr>
+          <p:cNvPr id="18" name="TextBox 17">
+            <a:extLst>
+              <a:ext uri="{FF2B5EF4-FFF2-40B4-BE49-F238E27FC236}">
+                <a16:creationId xmlns:a16="http://schemas.microsoft.com/office/drawing/2014/main" id="{4012E31C-AEB3-405A-9116-E3CD0375A408}"/>
+              </a:ext>
+            </a:extLst>
+          </p:cNvPr>
+          <p:cNvSpPr txBox="1"/>
+          <p:nvPr/>
+        </p:nvSpPr>
+        <p:spPr>
+          <a:xfrm rot="4517879">
+            <a:off x="6147699" y="2257592"/>
+            <a:ext cx="2021139" cy="1344242"/>
+          </a:xfrm>
+          <a:prstGeom prst="rect">
+            <a:avLst/>
+          </a:prstGeom>
+          <a:noFill/>
+        </p:spPr>
+        <p:txBody>
+          <a:bodyPr wrap="square" rtlCol="0">
+            <a:prstTxWarp prst="textArchUp">
+              <a:avLst>
+                <a:gd name="adj" fmla="val 13402645"/>
+              </a:avLst>
+            </a:prstTxWarp>
+            <a:spAutoFit/>
+          </a:bodyPr>
+          <a:lstStyle/>
+          <a:p>
+            <a:pPr algn="ctr">
+              <a:lnSpc>
+                <a:spcPts val="1800"/>
+              </a:lnSpc>
+            </a:pPr>
+            <a:r>
+              <a:rPr lang="en-US" sz="2000" dirty="0">
+                <a:gradFill>
+                  <a:gsLst>
+                    <a:gs pos="0">
+                      <a:schemeClr val="accent2"/>
+                    </a:gs>
+                    <a:gs pos="100000">
+                      <a:srgbClr val="FF0000"/>
+                    </a:gs>
+                  </a:gsLst>
+                  <a:lin ang="0" scaled="0"/>
+                </a:gradFill>
+              </a:rPr>
+              <a:t>Buggy error </a:t>
+            </a:r>
+          </a:p>
+          <a:p>
+            <a:pPr algn="ctr">
+              <a:lnSpc>
+                <a:spcPts val="1800"/>
+              </a:lnSpc>
+            </a:pPr>
+            <a:r>
+              <a:rPr lang="en-US" sz="2000" dirty="0">
+                <a:gradFill>
+                  <a:gsLst>
+                    <a:gs pos="0">
+                      <a:schemeClr val="accent2"/>
+                    </a:gs>
+                    <a:gs pos="100000">
+                      <a:srgbClr val="FF0000"/>
+                    </a:gs>
+                  </a:gsLst>
+                  <a:lin ang="0" scaled="0"/>
+                </a:gradFill>
+              </a:rPr>
+              <a:t>53˚</a:t>
+            </a:r>
+          </a:p>
+        </p:txBody>
+      </p:sp>
+      <p:sp>
+        <p:nvSpPr>
+          <p:cNvPr id="25" name="TextBox 24">
+            <a:extLst>
+              <a:ext uri="{FF2B5EF4-FFF2-40B4-BE49-F238E27FC236}">
+                <a16:creationId xmlns:a16="http://schemas.microsoft.com/office/drawing/2014/main" id="{B61C538E-094C-4A9C-A6F6-633650803BC6}"/>
+              </a:ext>
+            </a:extLst>
+          </p:cNvPr>
+          <p:cNvSpPr txBox="1"/>
+          <p:nvPr/>
+        </p:nvSpPr>
+        <p:spPr>
+          <a:xfrm>
+            <a:off x="9603286" y="3112502"/>
+            <a:ext cx="2283804" cy="608885"/>
+          </a:xfrm>
+          <a:prstGeom prst="rect">
+            <a:avLst/>
+          </a:prstGeom>
+          <a:noFill/>
+        </p:spPr>
+        <p:txBody>
+          <a:bodyPr wrap="square" rtlCol="0">
+            <a:spAutoFit/>
+          </a:bodyPr>
+          <a:lstStyle/>
+          <a:p>
+            <a:pPr>
+              <a:lnSpc>
+                <a:spcPts val="2000"/>
+              </a:lnSpc>
+            </a:pPr>
+            <a:r>
+              <a:rPr lang="en-US" sz="2000" dirty="0">
+                <a:solidFill>
+                  <a:srgbClr val="FF0000"/>
+                </a:solidFill>
+              </a:rPr>
+              <a:t>Buggy response direction</a:t>
+            </a:r>
+          </a:p>
+        </p:txBody>
+      </p:sp>
+      <p:sp>
+        <p:nvSpPr>
+          <p:cNvPr id="22" name="Arc 21">
+            <a:extLst>
+              <a:ext uri="{FF2B5EF4-FFF2-40B4-BE49-F238E27FC236}">
+                <a16:creationId xmlns:a16="http://schemas.microsoft.com/office/drawing/2014/main" id="{9938B0CD-553F-401D-9C3E-69DF064B4BF4}"/>
+              </a:ext>
+            </a:extLst>
+          </p:cNvPr>
+          <p:cNvSpPr/>
+          <p:nvPr/>
+        </p:nvSpPr>
+        <p:spPr>
+          <a:xfrm rot="16200000">
+            <a:off x="5156620" y="2463222"/>
+            <a:ext cx="1916036" cy="1927930"/>
+          </a:xfrm>
+          <a:prstGeom prst="arc">
+            <a:avLst>
+              <a:gd name="adj1" fmla="val 16201049"/>
+              <a:gd name="adj2" fmla="val 2524678"/>
+            </a:avLst>
+          </a:prstGeom>
+          <a:ln w="57150">
+            <a:gradFill>
+              <a:gsLst>
+                <a:gs pos="15000">
+                  <a:schemeClr val="accent5"/>
+                </a:gs>
+                <a:gs pos="100000">
+                  <a:schemeClr val="accent2"/>
+                </a:gs>
+              </a:gsLst>
+              <a:lin ang="5400000" scaled="1"/>
+            </a:gradFill>
+            <a:prstDash val="sysDash"/>
+            <a:headEnd type="none"/>
+            <a:tailEnd type="triangle"/>
+          </a:ln>
+        </p:spPr>
+        <p:style>
+          <a:lnRef idx="1">
+            <a:schemeClr val="accent1"/>
+          </a:lnRef>
+          <a:fillRef idx="0">
+            <a:schemeClr val="accent1"/>
+          </a:fillRef>
+          <a:effectRef idx="0">
+            <a:schemeClr val="accent1"/>
+          </a:effectRef>
+          <a:fontRef idx="minor">
+            <a:schemeClr val="tx1"/>
+          </a:fontRef>
+        </p:style>
+        <p:txBody>
+          <a:bodyPr rtlCol="0" anchor="ctr"/>
+          <a:lstStyle/>
+          <a:p>
+            <a:pPr algn="ctr"/>
+            <a:endParaRPr lang="en-US"/>
+          </a:p>
+        </p:txBody>
+      </p:sp>
+      <p:sp>
+        <p:nvSpPr>
+          <p:cNvPr id="23" name="TextBox 22">
+            <a:extLst>
+              <a:ext uri="{FF2B5EF4-FFF2-40B4-BE49-F238E27FC236}">
+                <a16:creationId xmlns:a16="http://schemas.microsoft.com/office/drawing/2014/main" id="{85016DE6-0C26-476B-A415-80A1FF6B1E31}"/>
+              </a:ext>
+            </a:extLst>
+          </p:cNvPr>
+          <p:cNvSpPr txBox="1"/>
+          <p:nvPr/>
+        </p:nvSpPr>
+        <p:spPr>
+          <a:xfrm rot="18900000">
+            <a:off x="5062688" y="2450119"/>
+            <a:ext cx="1695804" cy="1630299"/>
+          </a:xfrm>
+          <a:prstGeom prst="rect">
+            <a:avLst/>
+          </a:prstGeom>
+          <a:noFill/>
+        </p:spPr>
+        <p:txBody>
+          <a:bodyPr wrap="square" rtlCol="0">
+            <a:prstTxWarp prst="textArchUp">
+              <a:avLst>
+                <a:gd name="adj" fmla="val 10571423"/>
+              </a:avLst>
+            </a:prstTxWarp>
+            <a:spAutoFit/>
+          </a:bodyPr>
+          <a:lstStyle/>
+          <a:p>
+            <a:pPr algn="ctr">
+              <a:lnSpc>
+                <a:spcPts val="1800"/>
+              </a:lnSpc>
+            </a:pPr>
+            <a:r>
+              <a:rPr lang="en-US" sz="2000" dirty="0">
+                <a:gradFill>
+                  <a:gsLst>
+                    <a:gs pos="0">
+                      <a:schemeClr val="accent5"/>
+                    </a:gs>
+                    <a:gs pos="100000">
+                      <a:schemeClr val="accent2"/>
+                    </a:gs>
+                  </a:gsLst>
+                  <a:lin ang="0" scaled="0"/>
+                </a:gradFill>
+              </a:rPr>
+              <a:t>Actual error</a:t>
+            </a:r>
+          </a:p>
+          <a:p>
+            <a:pPr algn="ctr">
+              <a:lnSpc>
+                <a:spcPts val="1800"/>
+              </a:lnSpc>
+            </a:pPr>
+            <a:r>
+              <a:rPr lang="en-US" sz="2000" dirty="0">
+                <a:gradFill>
+                  <a:gsLst>
+                    <a:gs pos="0">
+                      <a:schemeClr val="accent5"/>
+                    </a:gs>
+                    <a:gs pos="100000">
+                      <a:schemeClr val="accent2"/>
+                    </a:gs>
+                  </a:gsLst>
+                  <a:lin ang="0" scaled="0"/>
+                </a:gradFill>
+              </a:rPr>
+              <a:t>127˚</a:t>
+            </a:r>
+          </a:p>
+        </p:txBody>
+      </p:sp>
+      <p:sp>
+        <p:nvSpPr>
+          <p:cNvPr id="34" name="TextBox 33">
+            <a:extLst>
+              <a:ext uri="{FF2B5EF4-FFF2-40B4-BE49-F238E27FC236}">
+                <a16:creationId xmlns:a16="http://schemas.microsoft.com/office/drawing/2014/main" id="{FA48472A-1C08-42E9-886E-63F38E0B43A4}"/>
+              </a:ext>
+            </a:extLst>
+          </p:cNvPr>
+          <p:cNvSpPr txBox="1"/>
+          <p:nvPr/>
+        </p:nvSpPr>
+        <p:spPr>
+          <a:xfrm>
+            <a:off x="1193138" y="3146137"/>
+            <a:ext cx="1177387" cy="608885"/>
+          </a:xfrm>
+          <a:prstGeom prst="rect">
+            <a:avLst/>
+          </a:prstGeom>
+          <a:noFill/>
+        </p:spPr>
+        <p:txBody>
+          <a:bodyPr wrap="square" rtlCol="0">
+            <a:spAutoFit/>
+          </a:bodyPr>
+          <a:lstStyle/>
+          <a:p>
+            <a:pPr>
+              <a:lnSpc>
+                <a:spcPts val="2000"/>
+              </a:lnSpc>
+            </a:pPr>
+            <a:r>
+              <a:rPr lang="en-US" sz="2000" dirty="0">
+                <a:solidFill>
+                  <a:schemeClr val="accent5"/>
+                </a:solidFill>
+              </a:rPr>
+              <a:t>Response</a:t>
+            </a:r>
+          </a:p>
+          <a:p>
+            <a:pPr>
+              <a:lnSpc>
+                <a:spcPts val="2000"/>
+              </a:lnSpc>
+            </a:pPr>
+            <a:r>
+              <a:rPr lang="en-US" sz="2000" dirty="0">
+                <a:solidFill>
+                  <a:schemeClr val="accent5"/>
+                </a:solidFill>
+              </a:rPr>
+              <a:t>direction</a:t>
+            </a:r>
+          </a:p>
+        </p:txBody>
+      </p:sp>
+      <p:sp>
+        <p:nvSpPr>
+          <p:cNvPr id="35" name="Arc 34">
+            <a:extLst>
+              <a:ext uri="{FF2B5EF4-FFF2-40B4-BE49-F238E27FC236}">
+                <a16:creationId xmlns:a16="http://schemas.microsoft.com/office/drawing/2014/main" id="{EE35A806-432C-475E-AA4E-5CC1A2963685}"/>
+              </a:ext>
+            </a:extLst>
+          </p:cNvPr>
+          <p:cNvSpPr/>
+          <p:nvPr/>
+        </p:nvSpPr>
+        <p:spPr>
+          <a:xfrm rot="5400000">
+            <a:off x="4753956" y="2188907"/>
+            <a:ext cx="2693613" cy="2680143"/>
+          </a:xfrm>
+          <a:prstGeom prst="arc">
+            <a:avLst>
+              <a:gd name="adj1" fmla="val 16024777"/>
+              <a:gd name="adj2" fmla="val 5566573"/>
+            </a:avLst>
+          </a:prstGeom>
+          <a:ln w="57150">
+            <a:gradFill>
+              <a:gsLst>
+                <a:gs pos="0">
+                  <a:srgbClr val="FF0000"/>
+                </a:gs>
+                <a:gs pos="100000">
+                  <a:schemeClr val="accent5"/>
+                </a:gs>
+              </a:gsLst>
+              <a:lin ang="5400000" scaled="1"/>
+            </a:gradFill>
+            <a:prstDash val="sysDash"/>
+            <a:headEnd type="triangle"/>
+          </a:ln>
+        </p:spPr>
+        <p:style>
+          <a:lnRef idx="1">
+            <a:schemeClr val="accent1"/>
+          </a:lnRef>
+          <a:fillRef idx="0">
+            <a:schemeClr val="accent1"/>
+          </a:fillRef>
+          <a:effectRef idx="0">
+            <a:schemeClr val="accent1"/>
+          </a:effectRef>
+          <a:fontRef idx="minor">
+            <a:schemeClr val="tx1"/>
+          </a:fontRef>
+        </p:style>
+        <p:txBody>
+          <a:bodyPr rtlCol="0" anchor="ctr"/>
+          <a:lstStyle/>
+          <a:p>
+            <a:pPr algn="ctr"/>
+            <a:endParaRPr lang="en-US"/>
+          </a:p>
+        </p:txBody>
+      </p:sp>
+      <p:sp>
+        <p:nvSpPr>
+          <p:cNvPr id="36" name="TextBox 35">
+            <a:extLst>
+              <a:ext uri="{FF2B5EF4-FFF2-40B4-BE49-F238E27FC236}">
+                <a16:creationId xmlns:a16="http://schemas.microsoft.com/office/drawing/2014/main" id="{8AA1DE08-5308-45B8-874B-C56BE4086D31}"/>
+              </a:ext>
+            </a:extLst>
+          </p:cNvPr>
+          <p:cNvSpPr txBox="1"/>
+          <p:nvPr/>
+        </p:nvSpPr>
+        <p:spPr>
+          <a:xfrm>
+            <a:off x="5191589" y="4215334"/>
+            <a:ext cx="1826522" cy="894431"/>
+          </a:xfrm>
+          <a:prstGeom prst="rect">
+            <a:avLst/>
+          </a:prstGeom>
+          <a:noFill/>
+        </p:spPr>
+        <p:txBody>
+          <a:bodyPr wrap="square" rtlCol="0">
+            <a:prstTxWarp prst="textArchDown">
+              <a:avLst>
+                <a:gd name="adj" fmla="val 21581877"/>
+              </a:avLst>
+            </a:prstTxWarp>
+            <a:spAutoFit/>
+          </a:bodyPr>
+          <a:lstStyle/>
+          <a:p>
+            <a:pPr algn="ctr">
+              <a:lnSpc>
+                <a:spcPts val="1800"/>
+              </a:lnSpc>
+            </a:pPr>
+            <a:r>
+              <a:rPr lang="en-US" sz="2000" dirty="0">
+                <a:gradFill>
+                  <a:gsLst>
+                    <a:gs pos="0">
+                      <a:schemeClr val="accent5"/>
+                    </a:gs>
+                    <a:gs pos="100000">
+                      <a:srgbClr val="FF0000"/>
+                    </a:gs>
+                  </a:gsLst>
+                  <a:lin ang="0" scaled="0"/>
+                </a:gradFill>
+              </a:rPr>
+              <a:t>180˚</a:t>
+            </a:r>
+          </a:p>
+          <a:p>
+            <a:pPr algn="ctr">
+              <a:lnSpc>
+                <a:spcPts val="1800"/>
+              </a:lnSpc>
+            </a:pPr>
+            <a:r>
+              <a:rPr lang="en-US" sz="2000" dirty="0">
+                <a:gradFill>
+                  <a:gsLst>
+                    <a:gs pos="0">
+                      <a:schemeClr val="accent5"/>
+                    </a:gs>
+                    <a:gs pos="100000">
+                      <a:srgbClr val="FF0000"/>
+                    </a:gs>
+                  </a:gsLst>
+                  <a:lin ang="0" scaled="0"/>
+                </a:gradFill>
+              </a:rPr>
+              <a:t>Effect of bug</a:t>
+            </a:r>
+          </a:p>
+        </p:txBody>
+      </p:sp>
+      <p:sp>
+        <p:nvSpPr>
+          <p:cNvPr id="38" name="TextBox 37">
+            <a:extLst>
+              <a:ext uri="{FF2B5EF4-FFF2-40B4-BE49-F238E27FC236}">
+                <a16:creationId xmlns:a16="http://schemas.microsoft.com/office/drawing/2014/main" id="{B322115B-9E94-48B2-A75B-0C5E42230F63}"/>
+              </a:ext>
+            </a:extLst>
+          </p:cNvPr>
+          <p:cNvSpPr txBox="1"/>
+          <p:nvPr/>
+        </p:nvSpPr>
+        <p:spPr>
+          <a:xfrm>
+            <a:off x="6361784" y="24152"/>
+            <a:ext cx="1433638" cy="608885"/>
+          </a:xfrm>
+          <a:prstGeom prst="rect">
+            <a:avLst/>
+          </a:prstGeom>
+          <a:noFill/>
+        </p:spPr>
+        <p:txBody>
+          <a:bodyPr wrap="square" rtlCol="0">
+            <a:spAutoFit/>
+          </a:bodyPr>
+          <a:lstStyle/>
+          <a:p>
+            <a:pPr>
+              <a:lnSpc>
+                <a:spcPts val="2000"/>
+              </a:lnSpc>
+            </a:pPr>
+            <a:r>
+              <a:rPr lang="en-US" sz="2000" dirty="0"/>
+              <a:t>Reference direction</a:t>
+            </a:r>
+          </a:p>
+        </p:txBody>
+      </p:sp>
+      <p:cxnSp>
+        <p:nvCxnSpPr>
+          <p:cNvPr id="37" name="Straight Arrow Connector 36">
+            <a:extLst>
+              <a:ext uri="{FF2B5EF4-FFF2-40B4-BE49-F238E27FC236}">
+                <a16:creationId xmlns:a16="http://schemas.microsoft.com/office/drawing/2014/main" id="{BC3785A2-102B-4951-BF8A-FEC76DCCD1C5}"/>
+              </a:ext>
+            </a:extLst>
+          </p:cNvPr>
+          <p:cNvCxnSpPr>
+            <a:cxnSpLocks/>
+          </p:cNvCxnSpPr>
+          <p:nvPr/>
+        </p:nvCxnSpPr>
+        <p:spPr>
+          <a:xfrm flipV="1">
+            <a:off x="6105955" y="619125"/>
+            <a:ext cx="2914" cy="2839088"/>
+          </a:xfrm>
+          <a:prstGeom prst="straightConnector1">
+            <a:avLst/>
+          </a:prstGeom>
+          <a:ln w="44450">
+            <a:solidFill>
+              <a:schemeClr val="tx1"/>
+            </a:solidFill>
+            <a:tailEnd type="triangle" w="lg" len="lg"/>
+          </a:ln>
+        </p:spPr>
+        <p:style>
+          <a:lnRef idx="1">
+            <a:schemeClr val="accent1"/>
+          </a:lnRef>
+          <a:fillRef idx="0">
+            <a:schemeClr val="accent1"/>
+          </a:fillRef>
+          <a:effectRef idx="0">
+            <a:schemeClr val="accent1"/>
+          </a:effectRef>
+          <a:fontRef idx="minor">
+            <a:schemeClr val="tx1"/>
+          </a:fontRef>
+        </p:style>
+      </p:cxnSp>
+      <p:sp>
+        <p:nvSpPr>
+          <p:cNvPr id="41" name="Oval 40">
+            <a:extLst>
+              <a:ext uri="{FF2B5EF4-FFF2-40B4-BE49-F238E27FC236}">
+                <a16:creationId xmlns:a16="http://schemas.microsoft.com/office/drawing/2014/main" id="{DEDF2F08-7E52-42AC-85AF-643F3094A6E4}"/>
+              </a:ext>
+            </a:extLst>
+          </p:cNvPr>
+          <p:cNvSpPr/>
+          <p:nvPr/>
+        </p:nvSpPr>
+        <p:spPr>
+          <a:xfrm>
+            <a:off x="5950208" y="3286122"/>
+            <a:ext cx="285755" cy="285755"/>
+          </a:xfrm>
+          <a:prstGeom prst="ellipse">
+            <a:avLst/>
+          </a:prstGeom>
+          <a:ln/>
+        </p:spPr>
+        <p:style>
+          <a:lnRef idx="2">
+            <a:schemeClr val="dk1">
+              <a:shade val="50000"/>
+            </a:schemeClr>
+          </a:lnRef>
+          <a:fillRef idx="1">
+            <a:schemeClr val="dk1"/>
+          </a:fillRef>
+          <a:effectRef idx="0">
+            <a:schemeClr val="dk1"/>
+          </a:effectRef>
+          <a:fontRef idx="minor">
+            <a:schemeClr val="lt1"/>
+          </a:fontRef>
+        </p:style>
+        <p:txBody>
+          <a:bodyPr rtlCol="0" anchor="ctr"/>
+          <a:lstStyle/>
+          <a:p>
+            <a:pPr algn="ctr"/>
+            <a:endParaRPr lang="en-US"/>
+          </a:p>
+        </p:txBody>
+      </p:sp>
+      <p:grpSp>
+        <p:nvGrpSpPr>
+          <p:cNvPr id="48" name="Group 47">
+            <a:extLst>
+              <a:ext uri="{FF2B5EF4-FFF2-40B4-BE49-F238E27FC236}">
+                <a16:creationId xmlns:a16="http://schemas.microsoft.com/office/drawing/2014/main" id="{73BEB867-DF6A-4A68-9BCD-E803DDDD8C05}"/>
+              </a:ext>
+            </a:extLst>
+          </p:cNvPr>
+          <p:cNvGrpSpPr/>
+          <p:nvPr/>
+        </p:nvGrpSpPr>
+        <p:grpSpPr>
+          <a:xfrm>
+            <a:off x="-25919" y="158930"/>
+            <a:ext cx="2207078" cy="2154076"/>
+            <a:chOff x="-10412" y="636446"/>
+            <a:chExt cx="2207078" cy="2154076"/>
+          </a:xfrm>
+        </p:grpSpPr>
+        <p:grpSp>
+          <p:nvGrpSpPr>
+            <p:cNvPr id="26" name="Group 25">
+              <a:extLst>
+                <a:ext uri="{FF2B5EF4-FFF2-40B4-BE49-F238E27FC236}">
+                  <a16:creationId xmlns:a16="http://schemas.microsoft.com/office/drawing/2014/main" id="{60C90A96-799A-4E7F-86D1-C6A723386C5A}"/>
+                </a:ext>
+              </a:extLst>
+            </p:cNvPr>
+            <p:cNvGrpSpPr/>
+            <p:nvPr/>
+          </p:nvGrpSpPr>
+          <p:grpSpPr>
+            <a:xfrm>
+              <a:off x="-10412" y="636446"/>
+              <a:ext cx="2207078" cy="2154076"/>
+              <a:chOff x="-10412" y="381353"/>
+              <a:chExt cx="2207078" cy="2154076"/>
+            </a:xfrm>
+          </p:grpSpPr>
+          <p:grpSp>
+            <p:nvGrpSpPr>
+              <p:cNvPr id="2" name="Group 1">
+                <a:extLst>
+                  <a:ext uri="{FF2B5EF4-FFF2-40B4-BE49-F238E27FC236}">
+                    <a16:creationId xmlns:a16="http://schemas.microsoft.com/office/drawing/2014/main" id="{F3046D8E-A6BC-405E-93E9-3B637918A242}"/>
+                  </a:ext>
+                </a:extLst>
+              </p:cNvPr>
+              <p:cNvGrpSpPr/>
+              <p:nvPr/>
+            </p:nvGrpSpPr>
+            <p:grpSpPr>
+              <a:xfrm>
+                <a:off x="-10412" y="381353"/>
+                <a:ext cx="2207078" cy="2154076"/>
+                <a:chOff x="172589" y="415540"/>
+                <a:chExt cx="2207078" cy="2154076"/>
+              </a:xfrm>
+            </p:grpSpPr>
+            <p:grpSp>
+              <p:nvGrpSpPr>
+                <p:cNvPr id="28" name="Group 27">
+                  <a:extLst>
+                    <a:ext uri="{FF2B5EF4-FFF2-40B4-BE49-F238E27FC236}">
+                      <a16:creationId xmlns:a16="http://schemas.microsoft.com/office/drawing/2014/main" id="{05A74F23-7279-428D-9F73-51F01D9D1E0C}"/>
+                    </a:ext>
+                  </a:extLst>
+                </p:cNvPr>
+                <p:cNvGrpSpPr/>
+                <p:nvPr/>
+              </p:nvGrpSpPr>
+              <p:grpSpPr>
+                <a:xfrm>
+                  <a:off x="403980" y="657665"/>
+                  <a:ext cx="1743175" cy="1911951"/>
+                  <a:chOff x="373350" y="4741902"/>
+                  <a:chExt cx="1743175" cy="1911951"/>
+                </a:xfrm>
+              </p:grpSpPr>
+              <p:sp>
+                <p:nvSpPr>
+                  <p:cNvPr id="29" name="TextBox 28">
+                    <a:extLst>
+                      <a:ext uri="{FF2B5EF4-FFF2-40B4-BE49-F238E27FC236}">
+                        <a16:creationId xmlns:a16="http://schemas.microsoft.com/office/drawing/2014/main" id="{07960C50-C248-441C-B04C-2DDC85889C13}"/>
+                      </a:ext>
+                    </a:extLst>
+                  </p:cNvPr>
+                  <p:cNvSpPr txBox="1"/>
+                  <p:nvPr/>
+                </p:nvSpPr>
+                <p:spPr>
+                  <a:xfrm>
+                    <a:off x="373350" y="6161410"/>
+                    <a:ext cx="1743174" cy="492443"/>
+                  </a:xfrm>
+                  <a:prstGeom prst="rect">
+                    <a:avLst/>
+                  </a:prstGeom>
+                  <a:noFill/>
+                </p:spPr>
+                <p:txBody>
+                  <a:bodyPr wrap="square" rtlCol="0">
+                    <a:spAutoFit/>
+                  </a:bodyPr>
+                  <a:lstStyle/>
+                  <a:p>
+                    <a:pPr algn="ctr"/>
+                    <a:r>
+                      <a:rPr lang="en-US" sz="1400" dirty="0"/>
+                      <a:t>Gem of Building 1</a:t>
+                    </a:r>
+                  </a:p>
+                  <a:p>
+                    <a:pPr algn="ctr"/>
+                    <a:r>
+                      <a:rPr lang="en-US" sz="1200" dirty="0"/>
+                      <a:t>(Pointing Location)</a:t>
+                    </a:r>
+                  </a:p>
+                </p:txBody>
+              </p:sp>
+              <p:sp>
+                <p:nvSpPr>
+                  <p:cNvPr id="31" name="TextBox 30">
+                    <a:extLst>
+                      <a:ext uri="{FF2B5EF4-FFF2-40B4-BE49-F238E27FC236}">
+                        <a16:creationId xmlns:a16="http://schemas.microsoft.com/office/drawing/2014/main" id="{F6F57CB3-CE9D-4118-A60D-187ABB096B68}"/>
+                      </a:ext>
+                    </a:extLst>
+                  </p:cNvPr>
+                  <p:cNvSpPr txBox="1"/>
+                  <p:nvPr/>
+                </p:nvSpPr>
+                <p:spPr>
+                  <a:xfrm>
+                    <a:off x="382875" y="4741902"/>
+                    <a:ext cx="1733650" cy="307777"/>
+                  </a:xfrm>
+                  <a:prstGeom prst="rect">
+                    <a:avLst/>
+                  </a:prstGeom>
+                  <a:noFill/>
+                </p:spPr>
+                <p:txBody>
+                  <a:bodyPr wrap="square" rtlCol="0">
+                    <a:spAutoFit/>
+                  </a:bodyPr>
+                  <a:lstStyle/>
+                  <a:p>
+                    <a:pPr algn="ctr"/>
+                    <a:r>
+                      <a:rPr lang="en-US" sz="1400" dirty="0"/>
+                      <a:t>Gem of Building 2</a:t>
+                    </a:r>
+                  </a:p>
+                </p:txBody>
+              </p:sp>
+            </p:grpSp>
+            <p:sp>
+              <p:nvSpPr>
+                <p:cNvPr id="39" name="TextBox 38">
+                  <a:extLst>
+                    <a:ext uri="{FF2B5EF4-FFF2-40B4-BE49-F238E27FC236}">
+                      <a16:creationId xmlns:a16="http://schemas.microsoft.com/office/drawing/2014/main" id="{33E82177-716C-4650-AED7-E1250EFDE813}"/>
+                    </a:ext>
+                  </a:extLst>
+                </p:cNvPr>
+                <p:cNvSpPr txBox="1"/>
+                <p:nvPr/>
+              </p:nvSpPr>
+              <p:spPr>
+                <a:xfrm>
+                  <a:off x="172589" y="415540"/>
+                  <a:ext cx="2207078" cy="307135"/>
+                </a:xfrm>
+                <a:prstGeom prst="rect">
+                  <a:avLst/>
+                </a:prstGeom>
+                <a:noFill/>
+              </p:spPr>
+              <p:txBody>
+                <a:bodyPr wrap="square" rtlCol="0">
+                  <a:spAutoFit/>
+                </a:bodyPr>
+                <a:lstStyle/>
+                <a:p>
+                  <a:pPr algn="ctr">
+                    <a:lnSpc>
+                      <a:spcPts val="1600"/>
+                    </a:lnSpc>
+                  </a:pPr>
+                  <a:r>
+                    <a:rPr lang="en-US" dirty="0"/>
+                    <a:t>Reference direction</a:t>
+                  </a:r>
+                </a:p>
+              </p:txBody>
+            </p:sp>
+          </p:grpSp>
+          <p:sp>
+            <p:nvSpPr>
+              <p:cNvPr id="7" name="Rectangle 6">
+                <a:extLst>
+                  <a:ext uri="{FF2B5EF4-FFF2-40B4-BE49-F238E27FC236}">
+                    <a16:creationId xmlns:a16="http://schemas.microsoft.com/office/drawing/2014/main" id="{F78F7EF0-7959-470A-B3F5-E4CA80456563}"/>
+                  </a:ext>
+                </a:extLst>
+              </p:cNvPr>
+              <p:cNvSpPr/>
+              <p:nvPr/>
+            </p:nvSpPr>
+            <p:spPr>
+              <a:xfrm>
+                <a:off x="347663" y="623478"/>
+                <a:ext cx="1510522" cy="1911951"/>
+              </a:xfrm>
+              <a:prstGeom prst="rect">
+                <a:avLst/>
+              </a:prstGeom>
+              <a:noFill/>
+              <a:ln>
+                <a:solidFill>
+                  <a:schemeClr val="tx1"/>
+                </a:solidFill>
+                <a:prstDash val="dash"/>
+              </a:ln>
+            </p:spPr>
+            <p:style>
+              <a:lnRef idx="2">
+                <a:schemeClr val="accent1">
+                  <a:shade val="50000"/>
+                </a:schemeClr>
+              </a:lnRef>
+              <a:fillRef idx="1">
+                <a:schemeClr val="accent1"/>
+              </a:fillRef>
+              <a:effectRef idx="0">
+                <a:schemeClr val="accent1"/>
+              </a:effectRef>
+              <a:fontRef idx="minor">
+                <a:schemeClr val="lt1"/>
+              </a:fontRef>
+            </p:style>
+            <p:txBody>
+              <a:bodyPr rtlCol="0" anchor="ctr"/>
+              <a:lstStyle/>
+              <a:p>
+                <a:pPr algn="ctr"/>
+                <a:endParaRPr lang="en-US"/>
+              </a:p>
+            </p:txBody>
+          </p:sp>
+        </p:grpSp>
+        <p:pic>
+          <p:nvPicPr>
+            <p:cNvPr id="32" name="Picture 31">
+              <a:extLst>
+                <a:ext uri="{FF2B5EF4-FFF2-40B4-BE49-F238E27FC236}">
+                  <a16:creationId xmlns:a16="http://schemas.microsoft.com/office/drawing/2014/main" id="{F95581AA-B9A1-4974-B7AE-C52095A2ECE3}"/>
+                </a:ext>
+              </a:extLst>
+            </p:cNvPr>
+            <p:cNvPicPr>
+              <a:picLocks noChangeAspect="1"/>
+            </p:cNvPicPr>
+            <p:nvPr/>
+          </p:nvPicPr>
+          <p:blipFill>
+            <a:blip r:embed="rId2"/>
+            <a:stretch>
+              <a:fillRect/>
+            </a:stretch>
+          </p:blipFill>
+          <p:spPr>
+            <a:xfrm>
+              <a:off x="1013315" y="1070728"/>
+              <a:ext cx="176364" cy="1273739"/>
+            </a:xfrm>
+            <a:prstGeom prst="rect">
+              <a:avLst/>
+            </a:prstGeom>
+          </p:spPr>
+        </p:pic>
+      </p:grpSp>
+    </p:spTree>
+    <p:extLst>
+      <p:ext uri="{BB962C8B-B14F-4D97-AF65-F5344CB8AC3E}">
+        <p14:creationId xmlns:p14="http://schemas.microsoft.com/office/powerpoint/2010/main" val="3015921085"/>
+      </p:ext>
+    </p:extLst>
+  </p:cSld>
+  <p:clrMapOvr>
+    <a:masterClrMapping/>
+  </p:clrMapOvr>
+</p:sld>
+</file>
+
+<file path=ppt/slides/slide5.xml><?xml version="1.0" encoding="utf-8"?>
+<p:sld xmlns:a="http://schemas.openxmlformats.org/drawingml/2006/main" xmlns:r="http://schemas.openxmlformats.org/officeDocument/2006/relationships" xmlns:p="http://schemas.openxmlformats.org/presentationml/2006/main">
+  <p:cSld>
+    <p:spTree>
+      <p:nvGrpSpPr>
+        <p:cNvPr id="1" name=""/>
+        <p:cNvGrpSpPr/>
+        <p:nvPr/>
+      </p:nvGrpSpPr>
+      <p:grpSpPr>
+        <a:xfrm>
+          <a:off x="0" y="0"/>
+          <a:ext cx="0" cy="0"/>
+          <a:chOff x="0" y="0"/>
+          <a:chExt cx="0" cy="0"/>
+        </a:xfrm>
+      </p:grpSpPr>
+      <p:grpSp>
+        <p:nvGrpSpPr>
+          <p:cNvPr id="2" name="Group 1">
+            <a:extLst>
+              <a:ext uri="{FF2B5EF4-FFF2-40B4-BE49-F238E27FC236}">
+                <a16:creationId xmlns:a16="http://schemas.microsoft.com/office/drawing/2014/main" id="{4F0E13C3-F952-4CBC-B36B-843FC4112574}"/>
+              </a:ext>
+            </a:extLst>
+          </p:cNvPr>
+          <p:cNvGrpSpPr/>
+          <p:nvPr/>
+        </p:nvGrpSpPr>
+        <p:grpSpPr>
+          <a:xfrm>
+            <a:off x="1999085" y="180044"/>
+            <a:ext cx="8649623" cy="6497911"/>
+            <a:chOff x="3093244" y="651510"/>
+            <a:chExt cx="6827996" cy="5129439"/>
+          </a:xfrm>
+        </p:grpSpPr>
+        <p:grpSp>
+          <p:nvGrpSpPr>
+            <p:cNvPr id="61" name="Group 60">
+              <a:extLst>
+                <a:ext uri="{FF2B5EF4-FFF2-40B4-BE49-F238E27FC236}">
+                  <a16:creationId xmlns:a16="http://schemas.microsoft.com/office/drawing/2014/main" id="{0C0F9B9B-CB8E-49A1-8E80-4F325140D03A}"/>
+                </a:ext>
+              </a:extLst>
+            </p:cNvPr>
+            <p:cNvGrpSpPr/>
+            <p:nvPr/>
+          </p:nvGrpSpPr>
+          <p:grpSpPr>
+            <a:xfrm>
+              <a:off x="3166110" y="651510"/>
+              <a:ext cx="6755130" cy="4343400"/>
+              <a:chOff x="3166110" y="651510"/>
+              <a:chExt cx="6755130" cy="4343400"/>
+            </a:xfrm>
+          </p:grpSpPr>
+          <p:pic>
+            <p:nvPicPr>
+              <p:cNvPr id="33" name="Picture 32">
+                <a:extLst>
+                  <a:ext uri="{FF2B5EF4-FFF2-40B4-BE49-F238E27FC236}">
+                    <a16:creationId xmlns:a16="http://schemas.microsoft.com/office/drawing/2014/main" id="{9451A87E-F4FC-4A86-8FE6-6A82AA3DCBD8}"/>
+                  </a:ext>
+                </a:extLst>
+              </p:cNvPr>
+              <p:cNvPicPr>
+                <a:picLocks noChangeAspect="1"/>
+              </p:cNvPicPr>
+              <p:nvPr/>
+            </p:nvPicPr>
+            <p:blipFill rotWithShape="1">
+              <a:blip r:embed="rId2">
+                <a:alphaModFix amt="33000"/>
+                <a:extLst>
+                  <a:ext uri="{28A0092B-C50C-407E-A947-70E740481C1C}">
+                    <a14:useLocalDpi xmlns:a14="http://schemas.microsoft.com/office/drawing/2010/main" val="0"/>
+                  </a:ext>
+                </a:extLst>
+              </a:blip>
+              <a:srcRect l="22733" t="9018" r="7508" b="12723"/>
+              <a:stretch/>
+            </p:blipFill>
+            <p:spPr bwMode="auto">
+              <a:xfrm>
+                <a:off x="3166110" y="651510"/>
+                <a:ext cx="6755130" cy="4343400"/>
+              </a:xfrm>
+              <a:prstGeom prst="rect">
+                <a:avLst/>
+              </a:prstGeom>
+              <a:noFill/>
+              <a:ln>
+                <a:noFill/>
+              </a:ln>
+            </p:spPr>
+          </p:pic>
+          <p:cxnSp>
+            <p:nvCxnSpPr>
+              <p:cNvPr id="43" name="Straight Arrow Connector 42">
+                <a:extLst>
+                  <a:ext uri="{FF2B5EF4-FFF2-40B4-BE49-F238E27FC236}">
+                    <a16:creationId xmlns:a16="http://schemas.microsoft.com/office/drawing/2014/main" id="{0205D771-6530-41B0-B62A-1DF0700649B7}"/>
+                  </a:ext>
+                </a:extLst>
+              </p:cNvPr>
+              <p:cNvCxnSpPr>
+                <a:cxnSpLocks/>
+              </p:cNvCxnSpPr>
+              <p:nvPr/>
+            </p:nvCxnSpPr>
+            <p:spPr>
+              <a:xfrm flipV="1">
+                <a:off x="3945731" y="2631281"/>
+                <a:ext cx="507207" cy="633413"/>
+              </a:xfrm>
+              <a:prstGeom prst="straightConnector1">
+                <a:avLst/>
+              </a:prstGeom>
+              <a:ln w="38100">
+                <a:solidFill>
+                  <a:srgbClr val="FF0000"/>
+                </a:solidFill>
+                <a:prstDash val="lgDash"/>
+                <a:headEnd w="sm" len="sm"/>
+                <a:tailEnd type="triangle" w="med" len="med"/>
+              </a:ln>
+            </p:spPr>
+            <p:style>
+              <a:lnRef idx="1">
+                <a:schemeClr val="accent1"/>
+              </a:lnRef>
+              <a:fillRef idx="0">
+                <a:schemeClr val="accent1"/>
+              </a:fillRef>
+              <a:effectRef idx="0">
+                <a:schemeClr val="accent1"/>
+              </a:effectRef>
+              <a:fontRef idx="minor">
+                <a:schemeClr val="tx1"/>
+              </a:fontRef>
+            </p:style>
+          </p:cxnSp>
+          <p:cxnSp>
+            <p:nvCxnSpPr>
+              <p:cNvPr id="44" name="Straight Arrow Connector 43">
+                <a:extLst>
+                  <a:ext uri="{FF2B5EF4-FFF2-40B4-BE49-F238E27FC236}">
+                    <a16:creationId xmlns:a16="http://schemas.microsoft.com/office/drawing/2014/main" id="{3500CA61-8666-4EE6-81BE-0D5375FE5E34}"/>
+                  </a:ext>
+                </a:extLst>
+              </p:cNvPr>
+              <p:cNvCxnSpPr>
+                <a:cxnSpLocks/>
+              </p:cNvCxnSpPr>
+              <p:nvPr/>
+            </p:nvCxnSpPr>
+            <p:spPr>
+              <a:xfrm>
+                <a:off x="4452938" y="2631281"/>
+                <a:ext cx="950912" cy="175419"/>
+              </a:xfrm>
+              <a:prstGeom prst="straightConnector1">
+                <a:avLst/>
+              </a:prstGeom>
+              <a:ln w="38100">
+                <a:solidFill>
+                  <a:srgbClr val="FF0000"/>
+                </a:solidFill>
+                <a:prstDash val="lgDash"/>
+                <a:headEnd w="sm" len="sm"/>
+                <a:tailEnd type="triangle" w="med" len="med"/>
+              </a:ln>
+            </p:spPr>
+            <p:style>
+              <a:lnRef idx="1">
+                <a:schemeClr val="accent1"/>
+              </a:lnRef>
+              <a:fillRef idx="0">
+                <a:schemeClr val="accent1"/>
+              </a:fillRef>
+              <a:effectRef idx="0">
+                <a:schemeClr val="accent1"/>
+              </a:effectRef>
+              <a:fontRef idx="minor">
+                <a:schemeClr val="tx1"/>
+              </a:fontRef>
+            </p:style>
+          </p:cxnSp>
+          <p:cxnSp>
+            <p:nvCxnSpPr>
+              <p:cNvPr id="45" name="Straight Arrow Connector 44">
+                <a:extLst>
+                  <a:ext uri="{FF2B5EF4-FFF2-40B4-BE49-F238E27FC236}">
+                    <a16:creationId xmlns:a16="http://schemas.microsoft.com/office/drawing/2014/main" id="{FA049B02-83FA-49A8-8EC7-534D718FFFD7}"/>
+                  </a:ext>
+                </a:extLst>
+              </p:cNvPr>
+              <p:cNvCxnSpPr>
+                <a:cxnSpLocks/>
+              </p:cNvCxnSpPr>
+              <p:nvPr/>
+            </p:nvCxnSpPr>
+            <p:spPr>
+              <a:xfrm>
+                <a:off x="5403850" y="2806700"/>
+                <a:ext cx="88900" cy="1670050"/>
+              </a:xfrm>
+              <a:prstGeom prst="straightConnector1">
+                <a:avLst/>
+              </a:prstGeom>
+              <a:ln w="38100">
+                <a:solidFill>
+                  <a:srgbClr val="FF0000"/>
+                </a:solidFill>
+                <a:prstDash val="lgDash"/>
+                <a:headEnd w="sm" len="sm"/>
+                <a:tailEnd type="triangle" w="med" len="med"/>
+              </a:ln>
+            </p:spPr>
+            <p:style>
+              <a:lnRef idx="1">
+                <a:schemeClr val="accent1"/>
+              </a:lnRef>
+              <a:fillRef idx="0">
+                <a:schemeClr val="accent1"/>
+              </a:fillRef>
+              <a:effectRef idx="0">
+                <a:schemeClr val="accent1"/>
+              </a:effectRef>
+              <a:fontRef idx="minor">
+                <a:schemeClr val="tx1"/>
+              </a:fontRef>
+            </p:style>
+          </p:cxnSp>
+          <p:cxnSp>
+            <p:nvCxnSpPr>
+              <p:cNvPr id="46" name="Straight Arrow Connector 45">
+                <a:extLst>
+                  <a:ext uri="{FF2B5EF4-FFF2-40B4-BE49-F238E27FC236}">
+                    <a16:creationId xmlns:a16="http://schemas.microsoft.com/office/drawing/2014/main" id="{2C017583-F6B1-4174-BBA6-5E218B792C06}"/>
+                  </a:ext>
+                </a:extLst>
+              </p:cNvPr>
+              <p:cNvCxnSpPr>
+                <a:cxnSpLocks/>
+              </p:cNvCxnSpPr>
+              <p:nvPr/>
+            </p:nvCxnSpPr>
+            <p:spPr>
+              <a:xfrm flipH="1" flipV="1">
+                <a:off x="5492750" y="2774341"/>
+                <a:ext cx="88900" cy="1670050"/>
+              </a:xfrm>
+              <a:prstGeom prst="straightConnector1">
+                <a:avLst/>
+              </a:prstGeom>
+              <a:ln w="38100">
+                <a:solidFill>
+                  <a:srgbClr val="FF0000"/>
+                </a:solidFill>
+                <a:prstDash val="lgDash"/>
+                <a:headEnd w="sm" len="sm"/>
+                <a:tailEnd type="triangle" w="med" len="med"/>
+              </a:ln>
+            </p:spPr>
+            <p:style>
+              <a:lnRef idx="1">
+                <a:schemeClr val="accent1"/>
+              </a:lnRef>
+              <a:fillRef idx="0">
+                <a:schemeClr val="accent1"/>
+              </a:fillRef>
+              <a:effectRef idx="0">
+                <a:schemeClr val="accent1"/>
+              </a:effectRef>
+              <a:fontRef idx="minor">
+                <a:schemeClr val="tx1"/>
+              </a:fontRef>
+            </p:style>
+          </p:cxnSp>
+          <p:cxnSp>
+            <p:nvCxnSpPr>
+              <p:cNvPr id="49" name="Straight Arrow Connector 48">
+                <a:extLst>
+                  <a:ext uri="{FF2B5EF4-FFF2-40B4-BE49-F238E27FC236}">
+                    <a16:creationId xmlns:a16="http://schemas.microsoft.com/office/drawing/2014/main" id="{6C45005B-1287-4D5C-8F81-AA7EAFF10FB5}"/>
+                  </a:ext>
+                </a:extLst>
+              </p:cNvPr>
+              <p:cNvCxnSpPr>
+                <a:cxnSpLocks/>
+              </p:cNvCxnSpPr>
+              <p:nvPr/>
+            </p:nvCxnSpPr>
+            <p:spPr>
+              <a:xfrm>
+                <a:off x="7683500" y="2806700"/>
+                <a:ext cx="685800" cy="69850"/>
+              </a:xfrm>
+              <a:prstGeom prst="straightConnector1">
+                <a:avLst/>
+              </a:prstGeom>
+              <a:ln w="38100">
+                <a:solidFill>
+                  <a:srgbClr val="FF0000"/>
+                </a:solidFill>
+                <a:prstDash val="lgDash"/>
+                <a:headEnd w="sm" len="sm"/>
+                <a:tailEnd type="triangle" w="med" len="med"/>
+              </a:ln>
+            </p:spPr>
+            <p:style>
+              <a:lnRef idx="1">
+                <a:schemeClr val="accent1"/>
+              </a:lnRef>
+              <a:fillRef idx="0">
+                <a:schemeClr val="accent1"/>
+              </a:fillRef>
+              <a:effectRef idx="0">
+                <a:schemeClr val="accent1"/>
+              </a:effectRef>
+              <a:fontRef idx="minor">
+                <a:schemeClr val="tx1"/>
+              </a:fontRef>
+            </p:style>
+          </p:cxnSp>
+          <p:cxnSp>
+            <p:nvCxnSpPr>
+              <p:cNvPr id="52" name="Straight Arrow Connector 51">
+                <a:extLst>
+                  <a:ext uri="{FF2B5EF4-FFF2-40B4-BE49-F238E27FC236}">
+                    <a16:creationId xmlns:a16="http://schemas.microsoft.com/office/drawing/2014/main" id="{03EDDDCF-E2EF-45EE-9E5E-1D5EECA76731}"/>
+                  </a:ext>
+                </a:extLst>
+              </p:cNvPr>
+              <p:cNvCxnSpPr>
+                <a:cxnSpLocks/>
+              </p:cNvCxnSpPr>
+              <p:nvPr/>
+            </p:nvCxnSpPr>
+            <p:spPr>
+              <a:xfrm flipH="1" flipV="1">
+                <a:off x="8178800" y="1905000"/>
+                <a:ext cx="190500" cy="971550"/>
+              </a:xfrm>
+              <a:prstGeom prst="straightConnector1">
+                <a:avLst/>
+              </a:prstGeom>
+              <a:ln w="38100">
+                <a:solidFill>
+                  <a:srgbClr val="FF0000"/>
+                </a:solidFill>
+                <a:prstDash val="lgDash"/>
+                <a:headEnd w="sm" len="sm"/>
+                <a:tailEnd type="triangle" w="med" len="med"/>
+              </a:ln>
+            </p:spPr>
+            <p:style>
+              <a:lnRef idx="1">
+                <a:schemeClr val="accent1"/>
+              </a:lnRef>
+              <a:fillRef idx="0">
+                <a:schemeClr val="accent1"/>
+              </a:fillRef>
+              <a:effectRef idx="0">
+                <a:schemeClr val="accent1"/>
+              </a:effectRef>
+              <a:fontRef idx="minor">
+                <a:schemeClr val="tx1"/>
+              </a:fontRef>
+            </p:style>
+          </p:cxnSp>
+          <p:cxnSp>
+            <p:nvCxnSpPr>
+              <p:cNvPr id="55" name="Straight Arrow Connector 54">
+                <a:extLst>
+                  <a:ext uri="{FF2B5EF4-FFF2-40B4-BE49-F238E27FC236}">
+                    <a16:creationId xmlns:a16="http://schemas.microsoft.com/office/drawing/2014/main" id="{7A037BA3-A95D-43DC-8C64-9E16328C6E54}"/>
+                  </a:ext>
+                </a:extLst>
+              </p:cNvPr>
+              <p:cNvCxnSpPr>
+                <a:cxnSpLocks/>
+              </p:cNvCxnSpPr>
+              <p:nvPr/>
+            </p:nvCxnSpPr>
+            <p:spPr>
+              <a:xfrm flipH="1">
+                <a:off x="7118350" y="1905000"/>
+                <a:ext cx="1060450" cy="546100"/>
+              </a:xfrm>
+              <a:prstGeom prst="straightConnector1">
+                <a:avLst/>
+              </a:prstGeom>
+              <a:ln w="38100">
+                <a:solidFill>
+                  <a:srgbClr val="FF0000"/>
+                </a:solidFill>
+                <a:prstDash val="lgDash"/>
+                <a:headEnd w="sm" len="sm"/>
+                <a:tailEnd type="triangle" w="med" len="med"/>
+              </a:ln>
+            </p:spPr>
+            <p:style>
+              <a:lnRef idx="1">
+                <a:schemeClr val="accent1"/>
+              </a:lnRef>
+              <a:fillRef idx="0">
+                <a:schemeClr val="accent1"/>
+              </a:fillRef>
+              <a:effectRef idx="0">
+                <a:schemeClr val="accent1"/>
+              </a:effectRef>
+              <a:fontRef idx="minor">
+                <a:schemeClr val="tx1"/>
+              </a:fontRef>
+            </p:style>
+          </p:cxnSp>
+          <p:cxnSp>
+            <p:nvCxnSpPr>
+              <p:cNvPr id="58" name="Straight Arrow Connector 57">
+                <a:extLst>
+                  <a:ext uri="{FF2B5EF4-FFF2-40B4-BE49-F238E27FC236}">
+                    <a16:creationId xmlns:a16="http://schemas.microsoft.com/office/drawing/2014/main" id="{8157879A-11EB-4E87-93D6-1D42CCA0FCAC}"/>
+                  </a:ext>
+                </a:extLst>
+              </p:cNvPr>
+              <p:cNvCxnSpPr>
+                <a:cxnSpLocks/>
+              </p:cNvCxnSpPr>
+              <p:nvPr/>
+            </p:nvCxnSpPr>
+            <p:spPr>
+              <a:xfrm flipV="1">
+                <a:off x="7118350" y="1835150"/>
+                <a:ext cx="996950" cy="501650"/>
+              </a:xfrm>
+              <a:prstGeom prst="straightConnector1">
+                <a:avLst/>
+              </a:prstGeom>
+              <a:ln w="38100">
+                <a:solidFill>
+                  <a:srgbClr val="FF0000"/>
+                </a:solidFill>
+                <a:prstDash val="lgDash"/>
+                <a:headEnd w="sm" len="sm"/>
+                <a:tailEnd type="triangle" w="med" len="med"/>
+              </a:ln>
+            </p:spPr>
+            <p:style>
+              <a:lnRef idx="1">
+                <a:schemeClr val="accent1"/>
+              </a:lnRef>
+              <a:fillRef idx="0">
+                <a:schemeClr val="accent1"/>
+              </a:fillRef>
+              <a:effectRef idx="0">
+                <a:schemeClr val="accent1"/>
+              </a:effectRef>
+              <a:fontRef idx="minor">
+                <a:schemeClr val="tx1"/>
+              </a:fontRef>
+            </p:style>
+          </p:cxnSp>
+        </p:grpSp>
+        <p:grpSp>
+          <p:nvGrpSpPr>
+            <p:cNvPr id="70" name="Group 69">
+              <a:extLst>
+                <a:ext uri="{FF2B5EF4-FFF2-40B4-BE49-F238E27FC236}">
+                  <a16:creationId xmlns:a16="http://schemas.microsoft.com/office/drawing/2014/main" id="{851F562B-35D3-4213-AE4C-9EAE2EA02D01}"/>
+                </a:ext>
+              </a:extLst>
+            </p:cNvPr>
+            <p:cNvGrpSpPr/>
+            <p:nvPr/>
+          </p:nvGrpSpPr>
+          <p:grpSpPr>
+            <a:xfrm>
+              <a:off x="3676649" y="1543049"/>
+              <a:ext cx="5006491" cy="3200401"/>
+              <a:chOff x="4601210" y="2518728"/>
+              <a:chExt cx="2989580" cy="1820545"/>
+            </a:xfrm>
+          </p:grpSpPr>
+          <p:sp>
+            <p:nvSpPr>
+              <p:cNvPr id="62" name="Rectangle 61">
+                <a:extLst>
+                  <a:ext uri="{FF2B5EF4-FFF2-40B4-BE49-F238E27FC236}">
+                    <a16:creationId xmlns:a16="http://schemas.microsoft.com/office/drawing/2014/main" id="{9E5A6588-89BC-4E8E-A588-FAE995C82A73}"/>
+                  </a:ext>
+                </a:extLst>
+              </p:cNvPr>
+              <p:cNvSpPr/>
+              <p:nvPr/>
+            </p:nvSpPr>
+            <p:spPr>
+              <a:xfrm>
+                <a:off x="4601210" y="3397568"/>
+                <a:ext cx="103505" cy="88900"/>
+              </a:xfrm>
+              <a:prstGeom prst="rect">
+                <a:avLst/>
+              </a:prstGeom>
+              <a:solidFill>
+                <a:srgbClr val="00B0F0"/>
+              </a:solidFill>
+              <a:ln w="19050">
+                <a:solidFill>
+                  <a:schemeClr val="tx1"/>
+                </a:solidFill>
+              </a:ln>
+            </p:spPr>
+            <p:style>
+              <a:lnRef idx="2">
+                <a:schemeClr val="accent1">
+                  <a:shade val="50000"/>
+                </a:schemeClr>
+              </a:lnRef>
+              <a:fillRef idx="1">
+                <a:schemeClr val="accent1"/>
+              </a:fillRef>
+              <a:effectRef idx="0">
+                <a:schemeClr val="accent1"/>
+              </a:effectRef>
+              <a:fontRef idx="minor">
+                <a:schemeClr val="lt1"/>
+              </a:fontRef>
+            </p:style>
+            <p:txBody>
+              <a:bodyPr rot="0" spcFirstLastPara="0" vert="horz" wrap="square" lIns="91440" tIns="45720" rIns="91440" bIns="45720" numCol="1" spcCol="0" rtlCol="0" fromWordArt="0" anchor="ctr" anchorCtr="0" forceAA="0" compatLnSpc="1">
+                <a:prstTxWarp prst="textNoShape">
+                  <a:avLst/>
+                </a:prstTxWarp>
+                <a:noAutofit/>
+              </a:bodyPr>
+              <a:lstStyle/>
+              <a:p>
+                <a:endParaRPr lang="en-US"/>
+              </a:p>
+            </p:txBody>
+          </p:sp>
+          <p:sp>
+            <p:nvSpPr>
+              <p:cNvPr id="63" name="Rectangle 62">
+                <a:extLst>
+                  <a:ext uri="{FF2B5EF4-FFF2-40B4-BE49-F238E27FC236}">
+                    <a16:creationId xmlns:a16="http://schemas.microsoft.com/office/drawing/2014/main" id="{4567F7E2-7113-484C-A379-87CDE8149792}"/>
+                  </a:ext>
+                </a:extLst>
+              </p:cNvPr>
+              <p:cNvSpPr/>
+              <p:nvPr/>
+            </p:nvSpPr>
+            <p:spPr>
+              <a:xfrm>
+                <a:off x="4660900" y="2876868"/>
+                <a:ext cx="103505" cy="88900"/>
+              </a:xfrm>
+              <a:prstGeom prst="rect">
+                <a:avLst/>
+              </a:prstGeom>
+              <a:solidFill>
+                <a:srgbClr val="00B0F0"/>
+              </a:solidFill>
+              <a:ln w="19050">
+                <a:solidFill>
+                  <a:schemeClr val="tx1"/>
+                </a:solidFill>
+              </a:ln>
+            </p:spPr>
+            <p:style>
+              <a:lnRef idx="2">
+                <a:schemeClr val="accent1">
+                  <a:shade val="50000"/>
+                </a:schemeClr>
+              </a:lnRef>
+              <a:fillRef idx="1">
+                <a:schemeClr val="accent1"/>
+              </a:fillRef>
+              <a:effectRef idx="0">
+                <a:schemeClr val="accent1"/>
+              </a:effectRef>
+              <a:fontRef idx="minor">
+                <a:schemeClr val="lt1"/>
+              </a:fontRef>
+            </p:style>
+            <p:txBody>
+              <a:bodyPr rot="0" spcFirstLastPara="0" vert="horz" wrap="square" lIns="91440" tIns="45720" rIns="91440" bIns="45720" numCol="1" spcCol="0" rtlCol="0" fromWordArt="0" anchor="ctr" anchorCtr="0" forceAA="0" compatLnSpc="1">
+                <a:prstTxWarp prst="textNoShape">
+                  <a:avLst/>
+                </a:prstTxWarp>
+                <a:noAutofit/>
+              </a:bodyPr>
+              <a:lstStyle/>
+              <a:p>
+                <a:endParaRPr lang="en-US" dirty="0"/>
+              </a:p>
+            </p:txBody>
+          </p:sp>
+          <p:sp>
+            <p:nvSpPr>
+              <p:cNvPr id="64" name="Rectangle 63">
+                <a:extLst>
+                  <a:ext uri="{FF2B5EF4-FFF2-40B4-BE49-F238E27FC236}">
+                    <a16:creationId xmlns:a16="http://schemas.microsoft.com/office/drawing/2014/main" id="{EB0E9273-09FF-436C-B612-DFBE31EF98D1}"/>
+                  </a:ext>
+                </a:extLst>
+              </p:cNvPr>
+              <p:cNvSpPr/>
+              <p:nvPr/>
+            </p:nvSpPr>
+            <p:spPr>
+              <a:xfrm>
+                <a:off x="5477510" y="3252153"/>
+                <a:ext cx="103505" cy="88900"/>
+              </a:xfrm>
+              <a:prstGeom prst="rect">
+                <a:avLst/>
+              </a:prstGeom>
+              <a:solidFill>
+                <a:srgbClr val="00B0F0"/>
+              </a:solidFill>
+              <a:ln w="19050">
+                <a:solidFill>
+                  <a:schemeClr val="tx1"/>
+                </a:solidFill>
+              </a:ln>
+            </p:spPr>
+            <p:style>
+              <a:lnRef idx="2">
+                <a:schemeClr val="accent1">
+                  <a:shade val="50000"/>
+                </a:schemeClr>
+              </a:lnRef>
+              <a:fillRef idx="1">
+                <a:schemeClr val="accent1"/>
+              </a:fillRef>
+              <a:effectRef idx="0">
+                <a:schemeClr val="accent1"/>
+              </a:effectRef>
+              <a:fontRef idx="minor">
+                <a:schemeClr val="lt1"/>
+              </a:fontRef>
+            </p:style>
+            <p:txBody>
+              <a:bodyPr rot="0" spcFirstLastPara="0" vert="horz" wrap="square" lIns="91440" tIns="45720" rIns="91440" bIns="45720" numCol="1" spcCol="0" rtlCol="0" fromWordArt="0" anchor="ctr" anchorCtr="0" forceAA="0" compatLnSpc="1">
+                <a:prstTxWarp prst="textNoShape">
+                  <a:avLst/>
+                </a:prstTxWarp>
+                <a:noAutofit/>
+              </a:bodyPr>
+              <a:lstStyle/>
+              <a:p>
+                <a:endParaRPr lang="en-US"/>
+              </a:p>
+            </p:txBody>
+          </p:sp>
+          <p:sp>
+            <p:nvSpPr>
+              <p:cNvPr id="65" name="Rectangle 64">
+                <a:extLst>
+                  <a:ext uri="{FF2B5EF4-FFF2-40B4-BE49-F238E27FC236}">
+                    <a16:creationId xmlns:a16="http://schemas.microsoft.com/office/drawing/2014/main" id="{13782BB4-C6E2-4DAA-BB31-30EA529BDD6A}"/>
+                  </a:ext>
+                </a:extLst>
+              </p:cNvPr>
+              <p:cNvSpPr/>
+              <p:nvPr/>
+            </p:nvSpPr>
+            <p:spPr>
+              <a:xfrm>
+                <a:off x="5706110" y="4250373"/>
+                <a:ext cx="103505" cy="88900"/>
+              </a:xfrm>
+              <a:prstGeom prst="rect">
+                <a:avLst/>
+              </a:prstGeom>
+              <a:solidFill>
+                <a:srgbClr val="00B0F0"/>
+              </a:solidFill>
+              <a:ln w="19050">
+                <a:solidFill>
+                  <a:schemeClr val="tx1"/>
+                </a:solidFill>
+              </a:ln>
+            </p:spPr>
+            <p:style>
+              <a:lnRef idx="2">
+                <a:schemeClr val="accent1">
+                  <a:shade val="50000"/>
+                </a:schemeClr>
+              </a:lnRef>
+              <a:fillRef idx="1">
+                <a:schemeClr val="accent1"/>
+              </a:fillRef>
+              <a:effectRef idx="0">
+                <a:schemeClr val="accent1"/>
+              </a:effectRef>
+              <a:fontRef idx="minor">
+                <a:schemeClr val="lt1"/>
+              </a:fontRef>
+            </p:style>
+            <p:txBody>
+              <a:bodyPr rot="0" spcFirstLastPara="0" vert="horz" wrap="square" lIns="91440" tIns="45720" rIns="91440" bIns="45720" numCol="1" spcCol="0" rtlCol="0" fromWordArt="0" anchor="ctr" anchorCtr="0" forceAA="0" compatLnSpc="1">
+                <a:prstTxWarp prst="textNoShape">
+                  <a:avLst/>
+                </a:prstTxWarp>
+                <a:noAutofit/>
+              </a:bodyPr>
+              <a:lstStyle/>
+              <a:p>
+                <a:endParaRPr lang="en-US"/>
+              </a:p>
+            </p:txBody>
+          </p:sp>
+          <p:sp>
+            <p:nvSpPr>
+              <p:cNvPr id="66" name="Rectangle 65">
+                <a:extLst>
+                  <a:ext uri="{FF2B5EF4-FFF2-40B4-BE49-F238E27FC236}">
+                    <a16:creationId xmlns:a16="http://schemas.microsoft.com/office/drawing/2014/main" id="{859213C3-7966-4E16-9FB4-EDE4D0742543}"/>
+                  </a:ext>
+                </a:extLst>
+              </p:cNvPr>
+              <p:cNvSpPr/>
+              <p:nvPr/>
+            </p:nvSpPr>
+            <p:spPr>
+              <a:xfrm>
+                <a:off x="6541135" y="2941003"/>
+                <a:ext cx="103505" cy="88900"/>
+              </a:xfrm>
+              <a:prstGeom prst="rect">
+                <a:avLst/>
+              </a:prstGeom>
+              <a:solidFill>
+                <a:srgbClr val="FFFF00"/>
+              </a:solidFill>
+              <a:ln w="19050">
+                <a:solidFill>
+                  <a:schemeClr val="tx1"/>
+                </a:solidFill>
+              </a:ln>
+            </p:spPr>
+            <p:style>
+              <a:lnRef idx="2">
+                <a:schemeClr val="accent1">
+                  <a:shade val="50000"/>
+                </a:schemeClr>
+              </a:lnRef>
+              <a:fillRef idx="1">
+                <a:schemeClr val="accent1"/>
+              </a:fillRef>
+              <a:effectRef idx="0">
+                <a:schemeClr val="accent1"/>
+              </a:effectRef>
+              <a:fontRef idx="minor">
+                <a:schemeClr val="lt1"/>
+              </a:fontRef>
+            </p:style>
+            <p:txBody>
+              <a:bodyPr rot="0" spcFirstLastPara="0" vert="horz" wrap="square" lIns="91440" tIns="45720" rIns="91440" bIns="45720" numCol="1" spcCol="0" rtlCol="0" fromWordArt="0" anchor="ctr" anchorCtr="0" forceAA="0" compatLnSpc="1">
+                <a:prstTxWarp prst="textNoShape">
+                  <a:avLst/>
+                </a:prstTxWarp>
+                <a:noAutofit/>
+              </a:bodyPr>
+              <a:lstStyle/>
+              <a:p>
+                <a:endParaRPr lang="en-US"/>
+              </a:p>
+            </p:txBody>
+          </p:sp>
+          <p:sp>
+            <p:nvSpPr>
+              <p:cNvPr id="67" name="Rectangle 66">
+                <a:extLst>
+                  <a:ext uri="{FF2B5EF4-FFF2-40B4-BE49-F238E27FC236}">
+                    <a16:creationId xmlns:a16="http://schemas.microsoft.com/office/drawing/2014/main" id="{4243880E-6135-496C-9113-B877BAAD3D86}"/>
+                  </a:ext>
+                </a:extLst>
+              </p:cNvPr>
+              <p:cNvSpPr/>
+              <p:nvPr/>
+            </p:nvSpPr>
+            <p:spPr>
+              <a:xfrm>
+                <a:off x="7040880" y="3396298"/>
+                <a:ext cx="103505" cy="88900"/>
+              </a:xfrm>
+              <a:prstGeom prst="rect">
+                <a:avLst/>
+              </a:prstGeom>
+              <a:solidFill>
+                <a:srgbClr val="FFFF00"/>
+              </a:solidFill>
+              <a:ln w="19050">
+                <a:solidFill>
+                  <a:schemeClr val="tx1"/>
+                </a:solidFill>
+              </a:ln>
+            </p:spPr>
+            <p:style>
+              <a:lnRef idx="2">
+                <a:schemeClr val="accent1">
+                  <a:shade val="50000"/>
+                </a:schemeClr>
+              </a:lnRef>
+              <a:fillRef idx="1">
+                <a:schemeClr val="accent1"/>
+              </a:fillRef>
+              <a:effectRef idx="0">
+                <a:schemeClr val="accent1"/>
+              </a:effectRef>
+              <a:fontRef idx="minor">
+                <a:schemeClr val="lt1"/>
+              </a:fontRef>
+            </p:style>
+            <p:txBody>
+              <a:bodyPr rot="0" spcFirstLastPara="0" vert="horz" wrap="square" lIns="91440" tIns="45720" rIns="91440" bIns="45720" numCol="1" spcCol="0" rtlCol="0" fromWordArt="0" anchor="ctr" anchorCtr="0" forceAA="0" compatLnSpc="1">
+                <a:prstTxWarp prst="textNoShape">
+                  <a:avLst/>
+                </a:prstTxWarp>
+                <a:noAutofit/>
+              </a:bodyPr>
+              <a:lstStyle/>
+              <a:p>
+                <a:endParaRPr lang="en-US"/>
+              </a:p>
+            </p:txBody>
+          </p:sp>
+          <p:sp>
+            <p:nvSpPr>
+              <p:cNvPr id="68" name="Rectangle 67">
+                <a:extLst>
+                  <a:ext uri="{FF2B5EF4-FFF2-40B4-BE49-F238E27FC236}">
+                    <a16:creationId xmlns:a16="http://schemas.microsoft.com/office/drawing/2014/main" id="{F0BF7184-195F-4541-A24E-8753576CB498}"/>
+                  </a:ext>
+                </a:extLst>
+              </p:cNvPr>
+              <p:cNvSpPr/>
+              <p:nvPr/>
+            </p:nvSpPr>
+            <p:spPr>
+              <a:xfrm>
+                <a:off x="7487285" y="3241358"/>
+                <a:ext cx="103505" cy="88900"/>
+              </a:xfrm>
+              <a:prstGeom prst="rect">
+                <a:avLst/>
+              </a:prstGeom>
+              <a:solidFill>
+                <a:srgbClr val="FFFF00"/>
+              </a:solidFill>
+              <a:ln w="19050">
+                <a:solidFill>
+                  <a:schemeClr val="tx1"/>
+                </a:solidFill>
+              </a:ln>
+            </p:spPr>
+            <p:style>
+              <a:lnRef idx="2">
+                <a:schemeClr val="accent1">
+                  <a:shade val="50000"/>
+                </a:schemeClr>
+              </a:lnRef>
+              <a:fillRef idx="1">
+                <a:schemeClr val="accent1"/>
+              </a:fillRef>
+              <a:effectRef idx="0">
+                <a:schemeClr val="accent1"/>
+              </a:effectRef>
+              <a:fontRef idx="minor">
+                <a:schemeClr val="lt1"/>
+              </a:fontRef>
+            </p:style>
+            <p:txBody>
+              <a:bodyPr rot="0" spcFirstLastPara="0" vert="horz" wrap="square" lIns="91440" tIns="45720" rIns="91440" bIns="45720" numCol="1" spcCol="0" rtlCol="0" fromWordArt="0" anchor="ctr" anchorCtr="0" forceAA="0" compatLnSpc="1">
+                <a:prstTxWarp prst="textNoShape">
+                  <a:avLst/>
+                </a:prstTxWarp>
+                <a:noAutofit/>
+              </a:bodyPr>
+              <a:lstStyle/>
+              <a:p>
+                <a:endParaRPr lang="en-US"/>
+              </a:p>
+            </p:txBody>
+          </p:sp>
+          <p:sp>
+            <p:nvSpPr>
+              <p:cNvPr id="69" name="Rectangle 68">
+                <a:extLst>
+                  <a:ext uri="{FF2B5EF4-FFF2-40B4-BE49-F238E27FC236}">
+                    <a16:creationId xmlns:a16="http://schemas.microsoft.com/office/drawing/2014/main" id="{5F8AFA4C-AF57-4B6E-9787-D7B1E9E3807C}"/>
+                  </a:ext>
+                </a:extLst>
+              </p:cNvPr>
+              <p:cNvSpPr/>
+              <p:nvPr/>
+            </p:nvSpPr>
+            <p:spPr>
+              <a:xfrm>
+                <a:off x="7278370" y="2518728"/>
+                <a:ext cx="103505" cy="88900"/>
+              </a:xfrm>
+              <a:prstGeom prst="rect">
+                <a:avLst/>
+              </a:prstGeom>
+              <a:solidFill>
+                <a:srgbClr val="FFFF00"/>
+              </a:solidFill>
+              <a:ln w="19050">
+                <a:solidFill>
+                  <a:schemeClr val="tx1"/>
+                </a:solidFill>
+              </a:ln>
+            </p:spPr>
+            <p:style>
+              <a:lnRef idx="2">
+                <a:schemeClr val="accent1">
+                  <a:shade val="50000"/>
+                </a:schemeClr>
+              </a:lnRef>
+              <a:fillRef idx="1">
+                <a:schemeClr val="accent1"/>
+              </a:fillRef>
+              <a:effectRef idx="0">
+                <a:schemeClr val="accent1"/>
+              </a:effectRef>
+              <a:fontRef idx="minor">
+                <a:schemeClr val="lt1"/>
+              </a:fontRef>
+            </p:style>
+            <p:txBody>
+              <a:bodyPr rot="0" spcFirstLastPara="0" vert="horz" wrap="square" lIns="91440" tIns="45720" rIns="91440" bIns="45720" numCol="1" spcCol="0" rtlCol="0" fromWordArt="0" anchor="ctr" anchorCtr="0" forceAA="0" compatLnSpc="1">
+                <a:prstTxWarp prst="textNoShape">
+                  <a:avLst/>
+                </a:prstTxWarp>
+                <a:noAutofit/>
+              </a:bodyPr>
+              <a:lstStyle/>
+              <a:p>
+                <a:endParaRPr lang="en-US"/>
+              </a:p>
+            </p:txBody>
+          </p:sp>
+        </p:grpSp>
+        <p:sp>
+          <p:nvSpPr>
+            <p:cNvPr id="80" name="Rectangle 79">
+              <a:extLst>
+                <a:ext uri="{FF2B5EF4-FFF2-40B4-BE49-F238E27FC236}">
+                  <a16:creationId xmlns:a16="http://schemas.microsoft.com/office/drawing/2014/main" id="{84BBCB5C-F3CB-4B6F-A56E-0897C153E247}"/>
+                </a:ext>
+              </a:extLst>
+            </p:cNvPr>
+            <p:cNvSpPr/>
+            <p:nvPr/>
+          </p:nvSpPr>
+          <p:spPr>
+            <a:xfrm>
+              <a:off x="3133725" y="5077761"/>
+              <a:ext cx="173334" cy="156280"/>
+            </a:xfrm>
+            <a:prstGeom prst="rect">
+              <a:avLst/>
+            </a:prstGeom>
+            <a:solidFill>
+              <a:srgbClr val="00B0F0"/>
+            </a:solidFill>
+            <a:ln w="19050">
+              <a:solidFill>
+                <a:schemeClr val="tx1"/>
+              </a:solidFill>
+            </a:ln>
+          </p:spPr>
+          <p:style>
+            <a:lnRef idx="2">
+              <a:schemeClr val="accent1">
+                <a:shade val="50000"/>
+              </a:schemeClr>
+            </a:lnRef>
+            <a:fillRef idx="1">
+              <a:schemeClr val="accent1"/>
+            </a:fillRef>
+            <a:effectRef idx="0">
+              <a:schemeClr val="accent1"/>
+            </a:effectRef>
+            <a:fontRef idx="minor">
+              <a:schemeClr val="lt1"/>
+            </a:fontRef>
+          </p:style>
+          <p:txBody>
+            <a:bodyPr rot="0" spcFirstLastPara="0" vert="horz" wrap="square" lIns="91440" tIns="45720" rIns="91440" bIns="45720" numCol="1" spcCol="0" rtlCol="0" fromWordArt="0" anchor="ctr" anchorCtr="0" forceAA="0" compatLnSpc="1">
+              <a:prstTxWarp prst="textNoShape">
+                <a:avLst/>
+              </a:prstTxWarp>
+              <a:noAutofit/>
+            </a:bodyPr>
+            <a:lstStyle/>
+            <a:p>
+              <a:endParaRPr lang="en-US" dirty="0"/>
+            </a:p>
+          </p:txBody>
+        </p:sp>
+        <p:cxnSp>
+          <p:nvCxnSpPr>
+            <p:cNvPr id="81" name="Straight Arrow Connector 80">
+              <a:extLst>
+                <a:ext uri="{FF2B5EF4-FFF2-40B4-BE49-F238E27FC236}">
+                  <a16:creationId xmlns:a16="http://schemas.microsoft.com/office/drawing/2014/main" id="{B3CD5107-881D-4D36-A395-02FD9E5F899D}"/>
+                </a:ext>
+              </a:extLst>
+            </p:cNvPr>
+            <p:cNvCxnSpPr>
+              <a:cxnSpLocks/>
+            </p:cNvCxnSpPr>
+            <p:nvPr/>
+          </p:nvCxnSpPr>
+          <p:spPr>
+            <a:xfrm>
+              <a:off x="3093244" y="5627060"/>
+              <a:ext cx="287634" cy="0"/>
+            </a:xfrm>
+            <a:prstGeom prst="straightConnector1">
+              <a:avLst/>
+            </a:prstGeom>
+            <a:ln w="38100">
+              <a:solidFill>
+                <a:srgbClr val="FF0000"/>
+              </a:solidFill>
+              <a:prstDash val="lgDash"/>
+              <a:headEnd w="sm" len="sm"/>
+              <a:tailEnd type="triangle" w="med" len="med"/>
+            </a:ln>
+          </p:spPr>
+          <p:style>
+            <a:lnRef idx="1">
+              <a:schemeClr val="accent1"/>
+            </a:lnRef>
+            <a:fillRef idx="0">
+              <a:schemeClr val="accent1"/>
+            </a:fillRef>
+            <a:effectRef idx="0">
+              <a:schemeClr val="accent1"/>
+            </a:effectRef>
+            <a:fontRef idx="minor">
+              <a:schemeClr val="tx1"/>
+            </a:fontRef>
+          </p:style>
+        </p:cxnSp>
+        <p:sp>
+          <p:nvSpPr>
+            <p:cNvPr id="85" name="Rectangle 84">
+              <a:extLst>
+                <a:ext uri="{FF2B5EF4-FFF2-40B4-BE49-F238E27FC236}">
+                  <a16:creationId xmlns:a16="http://schemas.microsoft.com/office/drawing/2014/main" id="{02FF5EB3-B9C4-492C-B52C-35A2E364C481}"/>
+                </a:ext>
+              </a:extLst>
+            </p:cNvPr>
+            <p:cNvSpPr/>
+            <p:nvPr/>
+          </p:nvSpPr>
+          <p:spPr>
+            <a:xfrm>
+              <a:off x="3133725" y="5316892"/>
+              <a:ext cx="173334" cy="156280"/>
+            </a:xfrm>
+            <a:prstGeom prst="rect">
+              <a:avLst/>
+            </a:prstGeom>
+            <a:solidFill>
+              <a:srgbClr val="FFFF00"/>
+            </a:solidFill>
+            <a:ln w="19050">
+              <a:solidFill>
+                <a:schemeClr val="tx1"/>
+              </a:solidFill>
+            </a:ln>
+          </p:spPr>
+          <p:style>
+            <a:lnRef idx="2">
+              <a:schemeClr val="accent1">
+                <a:shade val="50000"/>
+              </a:schemeClr>
+            </a:lnRef>
+            <a:fillRef idx="1">
+              <a:schemeClr val="accent1"/>
+            </a:fillRef>
+            <a:effectRef idx="0">
+              <a:schemeClr val="accent1"/>
+            </a:effectRef>
+            <a:fontRef idx="minor">
+              <a:schemeClr val="lt1"/>
+            </a:fontRef>
+          </p:style>
+          <p:txBody>
+            <a:bodyPr rot="0" spcFirstLastPara="0" vert="horz" wrap="square" lIns="91440" tIns="45720" rIns="91440" bIns="45720" numCol="1" spcCol="0" rtlCol="0" fromWordArt="0" anchor="ctr" anchorCtr="0" forceAA="0" compatLnSpc="1">
+              <a:prstTxWarp prst="textNoShape">
+                <a:avLst/>
+              </a:prstTxWarp>
+              <a:noAutofit/>
+            </a:bodyPr>
+            <a:lstStyle/>
+            <a:p>
+              <a:endParaRPr lang="en-US"/>
+            </a:p>
+          </p:txBody>
+        </p:sp>
+        <p:sp>
+          <p:nvSpPr>
+            <p:cNvPr id="86" name="TextBox 85">
+              <a:extLst>
+                <a:ext uri="{FF2B5EF4-FFF2-40B4-BE49-F238E27FC236}">
+                  <a16:creationId xmlns:a16="http://schemas.microsoft.com/office/drawing/2014/main" id="{3CC8E486-D1AA-43EB-928C-8D07FFEE4FCA}"/>
+                </a:ext>
+              </a:extLst>
+            </p:cNvPr>
+            <p:cNvSpPr txBox="1"/>
+            <p:nvPr/>
+          </p:nvSpPr>
+          <p:spPr>
+            <a:xfrm>
+              <a:off x="3339444" y="4997416"/>
+              <a:ext cx="2534190" cy="307777"/>
+            </a:xfrm>
+            <a:prstGeom prst="rect">
+              <a:avLst/>
+            </a:prstGeom>
+            <a:noFill/>
+          </p:spPr>
+          <p:txBody>
+            <a:bodyPr wrap="square" rtlCol="0">
+              <a:spAutoFit/>
+            </a:bodyPr>
+            <a:lstStyle/>
+            <a:p>
+              <a:r>
+                <a:rPr lang="en-US" sz="1400" dirty="0"/>
+                <a:t>Target building (Main Route 1)</a:t>
+              </a:r>
+            </a:p>
+          </p:txBody>
+        </p:sp>
+        <p:sp>
+          <p:nvSpPr>
+            <p:cNvPr id="87" name="TextBox 86">
+              <a:extLst>
+                <a:ext uri="{FF2B5EF4-FFF2-40B4-BE49-F238E27FC236}">
+                  <a16:creationId xmlns:a16="http://schemas.microsoft.com/office/drawing/2014/main" id="{806D2187-51C0-4D8B-9C5F-4A0ADCA28107}"/>
+                </a:ext>
+              </a:extLst>
+            </p:cNvPr>
+            <p:cNvSpPr txBox="1"/>
+            <p:nvPr/>
+          </p:nvSpPr>
+          <p:spPr>
+            <a:xfrm>
+              <a:off x="3342471" y="5243183"/>
+              <a:ext cx="2534190" cy="307777"/>
+            </a:xfrm>
+            <a:prstGeom prst="rect">
+              <a:avLst/>
+            </a:prstGeom>
+            <a:noFill/>
+          </p:spPr>
+          <p:txBody>
+            <a:bodyPr wrap="square" rtlCol="0">
+              <a:spAutoFit/>
+            </a:bodyPr>
+            <a:lstStyle/>
+            <a:p>
+              <a:r>
+                <a:rPr lang="en-US" sz="1400" dirty="0"/>
+                <a:t>Target building (Main Route 2)</a:t>
+              </a:r>
+            </a:p>
+          </p:txBody>
+        </p:sp>
+        <p:sp>
+          <p:nvSpPr>
+            <p:cNvPr id="88" name="TextBox 87">
+              <a:extLst>
+                <a:ext uri="{FF2B5EF4-FFF2-40B4-BE49-F238E27FC236}">
+                  <a16:creationId xmlns:a16="http://schemas.microsoft.com/office/drawing/2014/main" id="{418BA3E2-9950-4998-A5C6-49F94CAD702E}"/>
+                </a:ext>
+              </a:extLst>
+            </p:cNvPr>
+            <p:cNvSpPr txBox="1"/>
+            <p:nvPr/>
+          </p:nvSpPr>
+          <p:spPr>
+            <a:xfrm>
+              <a:off x="3341825" y="5473172"/>
+              <a:ext cx="2534190" cy="307777"/>
+            </a:xfrm>
+            <a:prstGeom prst="rect">
+              <a:avLst/>
+            </a:prstGeom>
+            <a:noFill/>
+          </p:spPr>
+          <p:txBody>
+            <a:bodyPr wrap="square" rtlCol="0">
+              <a:spAutoFit/>
+            </a:bodyPr>
+            <a:lstStyle/>
+            <a:p>
+              <a:r>
+                <a:rPr lang="en-US" sz="1400" dirty="0"/>
+                <a:t>Reference direction</a:t>
+              </a:r>
+            </a:p>
+          </p:txBody>
+        </p:sp>
+      </p:grpSp>
+    </p:spTree>
+    <p:extLst>
+      <p:ext uri="{BB962C8B-B14F-4D97-AF65-F5344CB8AC3E}">
+        <p14:creationId xmlns:p14="http://schemas.microsoft.com/office/powerpoint/2010/main" val="3493861126"/>
       </p:ext>
     </p:extLst>
   </p:cSld>
